--- a/documentacao/apresentacao.pptx
+++ b/documentacao/apresentacao.pptx
@@ -5,10 +5,10 @@
     <p:sldMasterId id="2147483648" r:id="rId4"/>
   </p:sldMasterIdLst>
   <p:notesMasterIdLst>
-    <p:notesMasterId r:id="rId16"/>
+    <p:notesMasterId r:id="rId18"/>
   </p:notesMasterIdLst>
   <p:handoutMasterIdLst>
-    <p:handoutMasterId r:id="rId17"/>
+    <p:handoutMasterId r:id="rId19"/>
   </p:handoutMasterIdLst>
   <p:sldIdLst>
     <p:sldId id="265" r:id="rId5"/>
@@ -20,13 +20,15 @@
     <p:sldId id="323" r:id="rId11"/>
     <p:sldId id="324" r:id="rId12"/>
     <p:sldId id="325" r:id="rId13"/>
-    <p:sldId id="322" r:id="rId14"/>
-    <p:sldId id="318" r:id="rId15"/>
+    <p:sldId id="326" r:id="rId14"/>
+    <p:sldId id="327" r:id="rId15"/>
+    <p:sldId id="322" r:id="rId16"/>
+    <p:sldId id="318" r:id="rId17"/>
   </p:sldIdLst>
   <p:sldSz cx="12188825" cy="6858000"/>
   <p:notesSz cx="6858000" cy="9144000"/>
   <p:custDataLst>
-    <p:tags r:id="rId18"/>
+    <p:tags r:id="rId20"/>
   </p:custDataLst>
   <p:defaultTextStyle>
     <a:defPPr rtl="0">
@@ -125,7 +127,7 @@
   </p:defaultTextStyle>
   <p:extLst>
     <p:ext uri="{EFAFB233-063F-42B5-8137-9DF3F51BA10A}">
-      <p15:sldGuideLst xmlns:p15="http://schemas.microsoft.com/office/powerpoint/2012/main" xmlns="">
+      <p15:sldGuideLst xmlns:p15="http://schemas.microsoft.com/office/powerpoint/2012/main">
         <p15:guide id="1" pos="3839" userDrawn="1">
           <p15:clr>
             <a:srgbClr val="A4A3A4"/>
@@ -139,7 +141,7 @@
       </p15:sldGuideLst>
     </p:ext>
     <p:ext uri="{2D200454-40CA-4A62-9FC3-DE9A4176ACB9}">
-      <p15:notesGuideLst xmlns:p15="http://schemas.microsoft.com/office/powerpoint/2012/main" xmlns=""/>
+      <p15:notesGuideLst xmlns:p15="http://schemas.microsoft.com/office/powerpoint/2012/main"/>
     </p:ext>
   </p:extLst>
 </p:presentation>
@@ -4058,7 +4060,7 @@
   </p:txStyles>
   <p:extLst mod="1">
     <p:ext uri="{27BBF7A9-308A-43DC-89C8-2F10F3537804}">
-      <p15:sldGuideLst xmlns:p15="http://schemas.microsoft.com/office/powerpoint/2012/main" xmlns="">
+      <p15:sldGuideLst xmlns:p15="http://schemas.microsoft.com/office/powerpoint/2012/main">
         <p15:guide id="1" pos="3839" userDrawn="1">
           <p15:clr>
             <a:srgbClr val="F26B43"/>
@@ -4110,7 +4112,7 @@
           <a:lstStyle/>
           <a:p>
             <a:r>
-              <a:rPr lang="pt-BR" dirty="0" err="1" smtClean="0"/>
+              <a:rPr lang="pt-BR" dirty="0" err="1"/>
               <a:t>Coletrômetro</a:t>
             </a:r>
             <a:endParaRPr lang="en-US" dirty="0"/>
@@ -4134,11 +4136,11 @@
           <a:p>
             <a:pPr rtl="0"/>
             <a:r>
-              <a:rPr lang="pt-BR" dirty="0" smtClean="0"/>
+              <a:rPr lang="pt-BR" dirty="0"/>
               <a:t>Bruno Henrique pereira </a:t>
             </a:r>
             <a:r>
-              <a:rPr lang="pt-BR" dirty="0" err="1" smtClean="0"/>
+              <a:rPr lang="pt-BR" dirty="0" err="1"/>
               <a:t>szczuk</a:t>
             </a:r>
             <a:endParaRPr lang="it-IT" dirty="0"/>
@@ -4208,13 +4210,6 @@
       </p:transition>
     </mc:Fallback>
   </mc:AlternateContent>
-  <p:timing>
-    <p:tnLst>
-      <p:par>
-        <p:cTn id="1" dur="indefinite" restart="never" nodeType="tmRoot"/>
-      </p:par>
-    </p:tnLst>
-  </p:timing>
 </p:sld>
 </file>
 
@@ -4332,6 +4327,1210 @@
       </p:sp>
       <p:pic>
         <p:nvPicPr>
+          <p:cNvPr id="7" name="Imagem 6">
+            <a:extLst>
+              <a:ext uri="{FF2B5EF4-FFF2-40B4-BE49-F238E27FC236}">
+                <a16:creationId xmlns:a16="http://schemas.microsoft.com/office/drawing/2014/main" id="{51EA5244-211E-4BD2-B6CC-8686DEC576E6}"/>
+              </a:ext>
+            </a:extLst>
+          </p:cNvPr>
+          <p:cNvPicPr>
+            <a:picLocks noChangeAspect="1"/>
+          </p:cNvPicPr>
+          <p:nvPr/>
+        </p:nvPicPr>
+        <p:blipFill>
+          <a:blip r:embed="rId2"/>
+          <a:stretch>
+            <a:fillRect/>
+          </a:stretch>
+        </p:blipFill>
+        <p:spPr>
+          <a:xfrm>
+            <a:off x="1923023" y="317459"/>
+            <a:ext cx="8342777" cy="6527882"/>
+          </a:xfrm>
+          <a:prstGeom prst="rect">
+            <a:avLst/>
+          </a:prstGeom>
+        </p:spPr>
+      </p:pic>
+    </p:spTree>
+    <p:extLst>
+      <p:ext uri="{BB962C8B-B14F-4D97-AF65-F5344CB8AC3E}">
+        <p14:creationId xmlns:p14="http://schemas.microsoft.com/office/powerpoint/2010/main" val="1901959841"/>
+      </p:ext>
+    </p:extLst>
+  </p:cSld>
+  <p:clrMapOvr>
+    <a:masterClrMapping/>
+  </p:clrMapOvr>
+  <mc:AlternateContent xmlns:mc="http://schemas.openxmlformats.org/markup-compatibility/2006" xmlns:p14="http://schemas.microsoft.com/office/powerpoint/2010/main">
+    <mc:Choice Requires="p14">
+      <p:transition spd="med" p14:dur="700">
+        <p:fade/>
+      </p:transition>
+    </mc:Choice>
+    <mc:Fallback xmlns="">
+      <p:transition spd="med">
+        <p:fade/>
+      </p:transition>
+    </mc:Fallback>
+  </mc:AlternateContent>
+</p:sld>
+</file>
+
+<file path=ppt/slides/slide11.xml><?xml version="1.0" encoding="utf-8"?>
+<p:sld xmlns:a="http://schemas.openxmlformats.org/drawingml/2006/main" xmlns:r="http://schemas.openxmlformats.org/officeDocument/2006/relationships" xmlns:p="http://schemas.openxmlformats.org/presentationml/2006/main">
+  <p:cSld>
+    <p:spTree>
+      <p:nvGrpSpPr>
+        <p:cNvPr id="1" name=""/>
+        <p:cNvGrpSpPr/>
+        <p:nvPr/>
+      </p:nvGrpSpPr>
+      <p:grpSpPr>
+        <a:xfrm>
+          <a:off x="0" y="0"/>
+          <a:ext cx="0" cy="0"/>
+          <a:chOff x="0" y="0"/>
+          <a:chExt cx="0" cy="0"/>
+        </a:xfrm>
+      </p:grpSpPr>
+      <p:sp>
+        <p:nvSpPr>
+          <p:cNvPr id="2" name="Título 1"/>
+          <p:cNvSpPr>
+            <a:spLocks noGrp="1"/>
+          </p:cNvSpPr>
+          <p:nvPr>
+            <p:ph type="title"/>
+          </p:nvPr>
+        </p:nvSpPr>
+        <p:spPr/>
+        <p:txBody>
+          <a:bodyPr/>
+          <a:lstStyle/>
+          <a:p>
+            <a:r>
+              <a:rPr lang="pt-BR" dirty="0"/>
+              <a:t>Estado atual</a:t>
+            </a:r>
+          </a:p>
+        </p:txBody>
+      </p:sp>
+      <p:sp>
+        <p:nvSpPr>
+          <p:cNvPr id="3" name="Espaço Reservado para Texto 2"/>
+          <p:cNvSpPr>
+            <a:spLocks noGrp="1"/>
+          </p:cNvSpPr>
+          <p:nvPr>
+            <p:ph type="body" idx="1"/>
+          </p:nvPr>
+        </p:nvSpPr>
+        <p:spPr/>
+        <p:txBody>
+          <a:bodyPr/>
+          <a:lstStyle/>
+          <a:p>
+            <a:r>
+              <a:rPr lang="pt-BR" dirty="0"/>
+              <a:t>Análise de código</a:t>
+            </a:r>
+          </a:p>
+        </p:txBody>
+      </p:sp>
+      <p:sp>
+        <p:nvSpPr>
+          <p:cNvPr id="4" name="Espaço Reservado para Conteúdo 3"/>
+          <p:cNvSpPr>
+            <a:spLocks noGrp="1"/>
+          </p:cNvSpPr>
+          <p:nvPr>
+            <p:ph sz="half" idx="2"/>
+          </p:nvPr>
+        </p:nvSpPr>
+        <p:spPr>
+          <a:xfrm>
+            <a:off x="1522410" y="2743201"/>
+            <a:ext cx="9828585" cy="2485999"/>
+          </a:xfrm>
+        </p:spPr>
+        <p:txBody>
+          <a:bodyPr/>
+          <a:lstStyle/>
+          <a:p>
+            <a:r>
+              <a:rPr lang="pt-BR" dirty="0"/>
+              <a:t>93%  de Cobertura de Comentário por funcionalidade – </a:t>
+            </a:r>
+            <a:r>
+              <a:rPr lang="pt-BR" dirty="0" err="1"/>
+              <a:t>CodeTrace</a:t>
+            </a:r>
+            <a:r>
+              <a:rPr lang="pt-BR" dirty="0"/>
+              <a:t>;</a:t>
+            </a:r>
+          </a:p>
+          <a:p>
+            <a:r>
+              <a:rPr lang="pt-BR" dirty="0"/>
+              <a:t>49 </a:t>
+            </a:r>
+            <a:r>
+              <a:rPr lang="pt-BR" dirty="0" err="1"/>
+              <a:t>Commits</a:t>
+            </a:r>
+            <a:r>
+              <a:rPr lang="pt-BR" dirty="0"/>
+              <a:t> até o momento – GitHub;</a:t>
+            </a:r>
+          </a:p>
+          <a:p>
+            <a:r>
+              <a:rPr lang="pt-BR" dirty="0"/>
+              <a:t>Manutenibilidade B, 1 mês previsto para adequação a padrões – </a:t>
+            </a:r>
+            <a:r>
+              <a:rPr lang="pt-BR" dirty="0" err="1"/>
+              <a:t>CodeClimate</a:t>
+            </a:r>
+            <a:r>
+              <a:rPr lang="pt-BR" dirty="0"/>
+              <a:t>;</a:t>
+            </a:r>
+          </a:p>
+          <a:p>
+            <a:r>
+              <a:rPr lang="pt-BR" dirty="0"/>
+              <a:t>Código composto por:</a:t>
+            </a:r>
+          </a:p>
+        </p:txBody>
+      </p:sp>
+      <p:sp>
+        <p:nvSpPr>
+          <p:cNvPr id="12" name="Espaço Reservado para Conteúdo 3">
+            <a:extLst>
+              <a:ext uri="{FF2B5EF4-FFF2-40B4-BE49-F238E27FC236}">
+                <a16:creationId xmlns:a16="http://schemas.microsoft.com/office/drawing/2014/main" id="{939B2D66-BC44-4694-963F-9183EF91575F}"/>
+              </a:ext>
+            </a:extLst>
+          </p:cNvPr>
+          <p:cNvSpPr txBox="1">
+            <a:spLocks/>
+          </p:cNvSpPr>
+          <p:nvPr/>
+        </p:nvSpPr>
+        <p:spPr>
+          <a:xfrm>
+            <a:off x="1917948" y="5229200"/>
+            <a:ext cx="2376264" cy="1512168"/>
+          </a:xfrm>
+          <a:prstGeom prst="rect">
+            <a:avLst/>
+          </a:prstGeom>
+        </p:spPr>
+        <p:txBody>
+          <a:bodyPr vert="horz" lIns="91440" tIns="45720" rIns="91440" bIns="45720" rtlCol="0">
+            <a:normAutofit/>
+          </a:bodyPr>
+          <a:lstStyle>
+            <a:lvl1pPr marL="223838" indent="-223838" algn="l" defTabSz="914400" rtl="0" eaLnBrk="1" latinLnBrk="0" hangingPunct="1">
+              <a:lnSpc>
+                <a:spcPct val="90000"/>
+              </a:lnSpc>
+              <a:spcBef>
+                <a:spcPts val="1800"/>
+              </a:spcBef>
+              <a:buClr>
+                <a:schemeClr val="accent1"/>
+              </a:buClr>
+              <a:buSzPct val="100000"/>
+              <a:buFont typeface="Arial" pitchFamily="34" charset="0"/>
+              <a:buChar char="•"/>
+              <a:defRPr sz="2400" kern="1200">
+                <a:solidFill>
+                  <a:schemeClr val="tx1"/>
+                </a:solidFill>
+                <a:latin typeface="+mn-lt"/>
+                <a:ea typeface="+mn-ea"/>
+                <a:cs typeface="+mn-cs"/>
+              </a:defRPr>
+            </a:lvl1pPr>
+            <a:lvl2pPr marL="463550" indent="-231775" algn="l" defTabSz="914400" rtl="0" eaLnBrk="1" latinLnBrk="0" hangingPunct="1">
+              <a:lnSpc>
+                <a:spcPct val="90000"/>
+              </a:lnSpc>
+              <a:spcBef>
+                <a:spcPts val="1200"/>
+              </a:spcBef>
+              <a:buClr>
+                <a:schemeClr val="accent1"/>
+              </a:buClr>
+              <a:buSzPct val="100000"/>
+              <a:buFont typeface="Arial" pitchFamily="34" charset="0"/>
+              <a:buChar char="•"/>
+              <a:defRPr sz="2000" kern="1200">
+                <a:solidFill>
+                  <a:schemeClr val="tx1"/>
+                </a:solidFill>
+                <a:latin typeface="+mn-lt"/>
+                <a:ea typeface="+mn-ea"/>
+                <a:cs typeface="+mn-cs"/>
+              </a:defRPr>
+            </a:lvl2pPr>
+            <a:lvl3pPr marL="682625" indent="-219075" algn="l" defTabSz="914400" rtl="0" eaLnBrk="1" latinLnBrk="0" hangingPunct="1">
+              <a:lnSpc>
+                <a:spcPct val="90000"/>
+              </a:lnSpc>
+              <a:spcBef>
+                <a:spcPts val="600"/>
+              </a:spcBef>
+              <a:buClr>
+                <a:schemeClr val="accent1"/>
+              </a:buClr>
+              <a:buSzPct val="100000"/>
+              <a:buFont typeface="Arial" pitchFamily="34" charset="0"/>
+              <a:buChar char="•"/>
+              <a:defRPr sz="1800" kern="1200">
+                <a:solidFill>
+                  <a:schemeClr val="tx1"/>
+                </a:solidFill>
+                <a:latin typeface="+mn-lt"/>
+                <a:ea typeface="+mn-ea"/>
+                <a:cs typeface="+mn-cs"/>
+              </a:defRPr>
+            </a:lvl3pPr>
+            <a:lvl4pPr marL="857250" indent="-174625" algn="l" defTabSz="914400" rtl="0" eaLnBrk="1" latinLnBrk="0" hangingPunct="1">
+              <a:lnSpc>
+                <a:spcPct val="90000"/>
+              </a:lnSpc>
+              <a:spcBef>
+                <a:spcPts val="600"/>
+              </a:spcBef>
+              <a:buClr>
+                <a:schemeClr val="accent1"/>
+              </a:buClr>
+              <a:buSzPct val="100000"/>
+              <a:buFont typeface="Arial" pitchFamily="34" charset="0"/>
+              <a:buChar char="•"/>
+              <a:defRPr sz="1600" kern="1200">
+                <a:solidFill>
+                  <a:schemeClr val="tx1"/>
+                </a:solidFill>
+                <a:latin typeface="+mn-lt"/>
+                <a:ea typeface="+mn-ea"/>
+                <a:cs typeface="+mn-cs"/>
+              </a:defRPr>
+            </a:lvl4pPr>
+            <a:lvl5pPr marL="1030288" indent="-173038" algn="l" defTabSz="914400" rtl="0" eaLnBrk="1" latinLnBrk="0" hangingPunct="1">
+              <a:lnSpc>
+                <a:spcPct val="90000"/>
+              </a:lnSpc>
+              <a:spcBef>
+                <a:spcPts val="600"/>
+              </a:spcBef>
+              <a:buClr>
+                <a:schemeClr val="accent1"/>
+              </a:buClr>
+              <a:buSzPct val="100000"/>
+              <a:buFont typeface="Arial" pitchFamily="34" charset="0"/>
+              <a:buChar char="•"/>
+              <a:defRPr sz="1600" kern="1200">
+                <a:solidFill>
+                  <a:schemeClr val="tx1"/>
+                </a:solidFill>
+                <a:latin typeface="+mn-lt"/>
+                <a:ea typeface="+mn-ea"/>
+                <a:cs typeface="+mn-cs"/>
+              </a:defRPr>
+            </a:lvl5pPr>
+            <a:lvl6pPr marL="1207008" indent="-173736" algn="l" defTabSz="914400" rtl="0" eaLnBrk="1" latinLnBrk="0" hangingPunct="1">
+              <a:spcBef>
+                <a:spcPts val="600"/>
+              </a:spcBef>
+              <a:buClr>
+                <a:schemeClr val="accent1"/>
+              </a:buClr>
+              <a:buFont typeface="Arial" pitchFamily="34" charset="0"/>
+              <a:buChar char="•"/>
+              <a:defRPr sz="1600" kern="1200">
+                <a:solidFill>
+                  <a:schemeClr val="tx1"/>
+                </a:solidFill>
+                <a:latin typeface="+mn-lt"/>
+                <a:ea typeface="+mn-ea"/>
+                <a:cs typeface="+mn-cs"/>
+              </a:defRPr>
+            </a:lvl6pPr>
+            <a:lvl7pPr marL="1380744" indent="-173736" algn="l" defTabSz="914400" rtl="0" eaLnBrk="1" latinLnBrk="0" hangingPunct="1">
+              <a:spcBef>
+                <a:spcPts val="600"/>
+              </a:spcBef>
+              <a:buClr>
+                <a:schemeClr val="accent1"/>
+              </a:buClr>
+              <a:buFont typeface="Arial" pitchFamily="34" charset="0"/>
+              <a:buChar char="•"/>
+              <a:defRPr sz="1600" kern="1200">
+                <a:solidFill>
+                  <a:schemeClr val="tx1"/>
+                </a:solidFill>
+                <a:latin typeface="+mn-lt"/>
+                <a:ea typeface="+mn-ea"/>
+                <a:cs typeface="+mn-cs"/>
+              </a:defRPr>
+            </a:lvl7pPr>
+            <a:lvl8pPr marL="1554480" indent="-173736" algn="l" defTabSz="914400" rtl="0" eaLnBrk="1" latinLnBrk="0" hangingPunct="1">
+              <a:spcBef>
+                <a:spcPts val="600"/>
+              </a:spcBef>
+              <a:buClr>
+                <a:schemeClr val="accent1"/>
+              </a:buClr>
+              <a:buFont typeface="Arial" pitchFamily="34" charset="0"/>
+              <a:buChar char="•"/>
+              <a:defRPr sz="1600" kern="1200">
+                <a:solidFill>
+                  <a:schemeClr val="tx1"/>
+                </a:solidFill>
+                <a:latin typeface="+mn-lt"/>
+                <a:ea typeface="+mn-ea"/>
+                <a:cs typeface="+mn-cs"/>
+              </a:defRPr>
+            </a:lvl8pPr>
+            <a:lvl9pPr marL="1728216" indent="-173736" algn="l" defTabSz="914400" rtl="0" eaLnBrk="1" latinLnBrk="0" hangingPunct="1">
+              <a:spcBef>
+                <a:spcPts val="600"/>
+              </a:spcBef>
+              <a:buClr>
+                <a:schemeClr val="accent1"/>
+              </a:buClr>
+              <a:buFont typeface="Arial" pitchFamily="34" charset="0"/>
+              <a:buChar char="•"/>
+              <a:defRPr sz="1600" kern="1200">
+                <a:solidFill>
+                  <a:schemeClr val="tx1"/>
+                </a:solidFill>
+                <a:latin typeface="+mn-lt"/>
+                <a:ea typeface="+mn-ea"/>
+                <a:cs typeface="+mn-cs"/>
+              </a:defRPr>
+            </a:lvl9pPr>
+          </a:lstStyle>
+          <a:p>
+            <a:r>
+              <a:rPr lang="pt-BR" dirty="0"/>
+              <a:t>56,1% Java</a:t>
+            </a:r>
+          </a:p>
+          <a:p>
+            <a:r>
+              <a:rPr lang="pt-BR" dirty="0"/>
+              <a:t>35,3% HTML</a:t>
+            </a:r>
+          </a:p>
+        </p:txBody>
+      </p:sp>
+      <p:sp>
+        <p:nvSpPr>
+          <p:cNvPr id="13" name="Espaço Reservado para Conteúdo 3">
+            <a:extLst>
+              <a:ext uri="{FF2B5EF4-FFF2-40B4-BE49-F238E27FC236}">
+                <a16:creationId xmlns:a16="http://schemas.microsoft.com/office/drawing/2014/main" id="{8B8ACC85-82C0-4A37-9484-846CCF6E39D1}"/>
+              </a:ext>
+            </a:extLst>
+          </p:cNvPr>
+          <p:cNvSpPr txBox="1">
+            <a:spLocks/>
+          </p:cNvSpPr>
+          <p:nvPr/>
+        </p:nvSpPr>
+        <p:spPr>
+          <a:xfrm>
+            <a:off x="4906280" y="5229200"/>
+            <a:ext cx="2376264" cy="1512168"/>
+          </a:xfrm>
+          <a:prstGeom prst="rect">
+            <a:avLst/>
+          </a:prstGeom>
+        </p:spPr>
+        <p:txBody>
+          <a:bodyPr vert="horz" lIns="91440" tIns="45720" rIns="91440" bIns="45720" rtlCol="0">
+            <a:normAutofit/>
+          </a:bodyPr>
+          <a:lstStyle>
+            <a:lvl1pPr marL="223838" indent="-223838" algn="l" defTabSz="914400" rtl="0" eaLnBrk="1" latinLnBrk="0" hangingPunct="1">
+              <a:lnSpc>
+                <a:spcPct val="90000"/>
+              </a:lnSpc>
+              <a:spcBef>
+                <a:spcPts val="1800"/>
+              </a:spcBef>
+              <a:buClr>
+                <a:schemeClr val="accent1"/>
+              </a:buClr>
+              <a:buSzPct val="100000"/>
+              <a:buFont typeface="Arial" pitchFamily="34" charset="0"/>
+              <a:buChar char="•"/>
+              <a:defRPr sz="2400" kern="1200">
+                <a:solidFill>
+                  <a:schemeClr val="tx1"/>
+                </a:solidFill>
+                <a:latin typeface="+mn-lt"/>
+                <a:ea typeface="+mn-ea"/>
+                <a:cs typeface="+mn-cs"/>
+              </a:defRPr>
+            </a:lvl1pPr>
+            <a:lvl2pPr marL="463550" indent="-231775" algn="l" defTabSz="914400" rtl="0" eaLnBrk="1" latinLnBrk="0" hangingPunct="1">
+              <a:lnSpc>
+                <a:spcPct val="90000"/>
+              </a:lnSpc>
+              <a:spcBef>
+                <a:spcPts val="1200"/>
+              </a:spcBef>
+              <a:buClr>
+                <a:schemeClr val="accent1"/>
+              </a:buClr>
+              <a:buSzPct val="100000"/>
+              <a:buFont typeface="Arial" pitchFamily="34" charset="0"/>
+              <a:buChar char="•"/>
+              <a:defRPr sz="2000" kern="1200">
+                <a:solidFill>
+                  <a:schemeClr val="tx1"/>
+                </a:solidFill>
+                <a:latin typeface="+mn-lt"/>
+                <a:ea typeface="+mn-ea"/>
+                <a:cs typeface="+mn-cs"/>
+              </a:defRPr>
+            </a:lvl2pPr>
+            <a:lvl3pPr marL="682625" indent="-219075" algn="l" defTabSz="914400" rtl="0" eaLnBrk="1" latinLnBrk="0" hangingPunct="1">
+              <a:lnSpc>
+                <a:spcPct val="90000"/>
+              </a:lnSpc>
+              <a:spcBef>
+                <a:spcPts val="600"/>
+              </a:spcBef>
+              <a:buClr>
+                <a:schemeClr val="accent1"/>
+              </a:buClr>
+              <a:buSzPct val="100000"/>
+              <a:buFont typeface="Arial" pitchFamily="34" charset="0"/>
+              <a:buChar char="•"/>
+              <a:defRPr sz="1800" kern="1200">
+                <a:solidFill>
+                  <a:schemeClr val="tx1"/>
+                </a:solidFill>
+                <a:latin typeface="+mn-lt"/>
+                <a:ea typeface="+mn-ea"/>
+                <a:cs typeface="+mn-cs"/>
+              </a:defRPr>
+            </a:lvl3pPr>
+            <a:lvl4pPr marL="857250" indent="-174625" algn="l" defTabSz="914400" rtl="0" eaLnBrk="1" latinLnBrk="0" hangingPunct="1">
+              <a:lnSpc>
+                <a:spcPct val="90000"/>
+              </a:lnSpc>
+              <a:spcBef>
+                <a:spcPts val="600"/>
+              </a:spcBef>
+              <a:buClr>
+                <a:schemeClr val="accent1"/>
+              </a:buClr>
+              <a:buSzPct val="100000"/>
+              <a:buFont typeface="Arial" pitchFamily="34" charset="0"/>
+              <a:buChar char="•"/>
+              <a:defRPr sz="1600" kern="1200">
+                <a:solidFill>
+                  <a:schemeClr val="tx1"/>
+                </a:solidFill>
+                <a:latin typeface="+mn-lt"/>
+                <a:ea typeface="+mn-ea"/>
+                <a:cs typeface="+mn-cs"/>
+              </a:defRPr>
+            </a:lvl4pPr>
+            <a:lvl5pPr marL="1030288" indent="-173038" algn="l" defTabSz="914400" rtl="0" eaLnBrk="1" latinLnBrk="0" hangingPunct="1">
+              <a:lnSpc>
+                <a:spcPct val="90000"/>
+              </a:lnSpc>
+              <a:spcBef>
+                <a:spcPts val="600"/>
+              </a:spcBef>
+              <a:buClr>
+                <a:schemeClr val="accent1"/>
+              </a:buClr>
+              <a:buSzPct val="100000"/>
+              <a:buFont typeface="Arial" pitchFamily="34" charset="0"/>
+              <a:buChar char="•"/>
+              <a:defRPr sz="1600" kern="1200">
+                <a:solidFill>
+                  <a:schemeClr val="tx1"/>
+                </a:solidFill>
+                <a:latin typeface="+mn-lt"/>
+                <a:ea typeface="+mn-ea"/>
+                <a:cs typeface="+mn-cs"/>
+              </a:defRPr>
+            </a:lvl5pPr>
+            <a:lvl6pPr marL="1207008" indent="-173736" algn="l" defTabSz="914400" rtl="0" eaLnBrk="1" latinLnBrk="0" hangingPunct="1">
+              <a:spcBef>
+                <a:spcPts val="600"/>
+              </a:spcBef>
+              <a:buClr>
+                <a:schemeClr val="accent1"/>
+              </a:buClr>
+              <a:buFont typeface="Arial" pitchFamily="34" charset="0"/>
+              <a:buChar char="•"/>
+              <a:defRPr sz="1600" kern="1200">
+                <a:solidFill>
+                  <a:schemeClr val="tx1"/>
+                </a:solidFill>
+                <a:latin typeface="+mn-lt"/>
+                <a:ea typeface="+mn-ea"/>
+                <a:cs typeface="+mn-cs"/>
+              </a:defRPr>
+            </a:lvl6pPr>
+            <a:lvl7pPr marL="1380744" indent="-173736" algn="l" defTabSz="914400" rtl="0" eaLnBrk="1" latinLnBrk="0" hangingPunct="1">
+              <a:spcBef>
+                <a:spcPts val="600"/>
+              </a:spcBef>
+              <a:buClr>
+                <a:schemeClr val="accent1"/>
+              </a:buClr>
+              <a:buFont typeface="Arial" pitchFamily="34" charset="0"/>
+              <a:buChar char="•"/>
+              <a:defRPr sz="1600" kern="1200">
+                <a:solidFill>
+                  <a:schemeClr val="tx1"/>
+                </a:solidFill>
+                <a:latin typeface="+mn-lt"/>
+                <a:ea typeface="+mn-ea"/>
+                <a:cs typeface="+mn-cs"/>
+              </a:defRPr>
+            </a:lvl7pPr>
+            <a:lvl8pPr marL="1554480" indent="-173736" algn="l" defTabSz="914400" rtl="0" eaLnBrk="1" latinLnBrk="0" hangingPunct="1">
+              <a:spcBef>
+                <a:spcPts val="600"/>
+              </a:spcBef>
+              <a:buClr>
+                <a:schemeClr val="accent1"/>
+              </a:buClr>
+              <a:buFont typeface="Arial" pitchFamily="34" charset="0"/>
+              <a:buChar char="•"/>
+              <a:defRPr sz="1600" kern="1200">
+                <a:solidFill>
+                  <a:schemeClr val="tx1"/>
+                </a:solidFill>
+                <a:latin typeface="+mn-lt"/>
+                <a:ea typeface="+mn-ea"/>
+                <a:cs typeface="+mn-cs"/>
+              </a:defRPr>
+            </a:lvl8pPr>
+            <a:lvl9pPr marL="1728216" indent="-173736" algn="l" defTabSz="914400" rtl="0" eaLnBrk="1" latinLnBrk="0" hangingPunct="1">
+              <a:spcBef>
+                <a:spcPts val="600"/>
+              </a:spcBef>
+              <a:buClr>
+                <a:schemeClr val="accent1"/>
+              </a:buClr>
+              <a:buFont typeface="Arial" pitchFamily="34" charset="0"/>
+              <a:buChar char="•"/>
+              <a:defRPr sz="1600" kern="1200">
+                <a:solidFill>
+                  <a:schemeClr val="tx1"/>
+                </a:solidFill>
+                <a:latin typeface="+mn-lt"/>
+                <a:ea typeface="+mn-ea"/>
+                <a:cs typeface="+mn-cs"/>
+              </a:defRPr>
+            </a:lvl9pPr>
+          </a:lstStyle>
+          <a:p>
+            <a:r>
+              <a:rPr lang="pt-BR" dirty="0"/>
+              <a:t>5,9% CSS</a:t>
+            </a:r>
+          </a:p>
+          <a:p>
+            <a:r>
+              <a:rPr lang="pt-BR" dirty="0"/>
+              <a:t>2,7% </a:t>
+            </a:r>
+            <a:r>
+              <a:rPr lang="pt-BR" dirty="0" err="1"/>
+              <a:t>JavaScript</a:t>
+            </a:r>
+            <a:endParaRPr lang="pt-BR" dirty="0"/>
+          </a:p>
+        </p:txBody>
+      </p:sp>
+    </p:spTree>
+    <p:extLst>
+      <p:ext uri="{BB962C8B-B14F-4D97-AF65-F5344CB8AC3E}">
+        <p14:creationId xmlns:p14="http://schemas.microsoft.com/office/powerpoint/2010/main" val="1233793217"/>
+      </p:ext>
+    </p:extLst>
+  </p:cSld>
+  <p:clrMapOvr>
+    <a:masterClrMapping/>
+  </p:clrMapOvr>
+  <mc:AlternateContent xmlns:mc="http://schemas.openxmlformats.org/markup-compatibility/2006" xmlns:p14="http://schemas.microsoft.com/office/powerpoint/2010/main">
+    <mc:Choice Requires="p14">
+      <p:transition spd="med" p14:dur="700">
+        <p:fade/>
+      </p:transition>
+    </mc:Choice>
+    <mc:Fallback xmlns="">
+      <p:transition spd="med">
+        <p:fade/>
+      </p:transition>
+    </mc:Fallback>
+  </mc:AlternateContent>
+  <p:timing>
+    <p:tnLst>
+      <p:par>
+        <p:cTn id="1" dur="indefinite" restart="never" nodeType="tmRoot">
+          <p:childTnLst>
+            <p:seq concurrent="1" nextAc="seek">
+              <p:cTn id="2" dur="indefinite" nodeType="mainSeq">
+                <p:childTnLst>
+                  <p:par>
+                    <p:cTn id="3" fill="hold">
+                      <p:stCondLst>
+                        <p:cond delay="indefinite"/>
+                      </p:stCondLst>
+                      <p:childTnLst>
+                        <p:par>
+                          <p:cTn id="4" fill="hold">
+                            <p:stCondLst>
+                              <p:cond delay="0"/>
+                            </p:stCondLst>
+                            <p:childTnLst>
+                              <p:par>
+                                <p:cTn id="5" presetID="1" presetClass="entr" presetSubtype="0" fill="hold" grpId="0" nodeType="clickEffect">
+                                  <p:stCondLst>
+                                    <p:cond delay="0"/>
+                                  </p:stCondLst>
+                                  <p:childTnLst>
+                                    <p:set>
+                                      <p:cBhvr>
+                                        <p:cTn id="6" dur="1" fill="hold">
+                                          <p:stCondLst>
+                                            <p:cond delay="0"/>
+                                          </p:stCondLst>
+                                        </p:cTn>
+                                        <p:tgtEl>
+                                          <p:spTgt spid="4">
+                                            <p:txEl>
+                                              <p:pRg st="0" end="0"/>
+                                            </p:txEl>
+                                          </p:spTgt>
+                                        </p:tgtEl>
+                                        <p:attrNameLst>
+                                          <p:attrName>style.visibility</p:attrName>
+                                        </p:attrNameLst>
+                                      </p:cBhvr>
+                                      <p:to>
+                                        <p:strVal val="visible"/>
+                                      </p:to>
+                                    </p:set>
+                                  </p:childTnLst>
+                                </p:cTn>
+                              </p:par>
+                            </p:childTnLst>
+                          </p:cTn>
+                        </p:par>
+                      </p:childTnLst>
+                    </p:cTn>
+                  </p:par>
+                  <p:par>
+                    <p:cTn id="7" fill="hold">
+                      <p:stCondLst>
+                        <p:cond delay="indefinite"/>
+                      </p:stCondLst>
+                      <p:childTnLst>
+                        <p:par>
+                          <p:cTn id="8" fill="hold">
+                            <p:stCondLst>
+                              <p:cond delay="0"/>
+                            </p:stCondLst>
+                            <p:childTnLst>
+                              <p:par>
+                                <p:cTn id="9" presetID="1" presetClass="entr" presetSubtype="0" fill="hold" grpId="0" nodeType="clickEffect">
+                                  <p:stCondLst>
+                                    <p:cond delay="0"/>
+                                  </p:stCondLst>
+                                  <p:childTnLst>
+                                    <p:set>
+                                      <p:cBhvr>
+                                        <p:cTn id="10" dur="1" fill="hold">
+                                          <p:stCondLst>
+                                            <p:cond delay="0"/>
+                                          </p:stCondLst>
+                                        </p:cTn>
+                                        <p:tgtEl>
+                                          <p:spTgt spid="4">
+                                            <p:txEl>
+                                              <p:pRg st="1" end="1"/>
+                                            </p:txEl>
+                                          </p:spTgt>
+                                        </p:tgtEl>
+                                        <p:attrNameLst>
+                                          <p:attrName>style.visibility</p:attrName>
+                                        </p:attrNameLst>
+                                      </p:cBhvr>
+                                      <p:to>
+                                        <p:strVal val="visible"/>
+                                      </p:to>
+                                    </p:set>
+                                  </p:childTnLst>
+                                </p:cTn>
+                              </p:par>
+                            </p:childTnLst>
+                          </p:cTn>
+                        </p:par>
+                      </p:childTnLst>
+                    </p:cTn>
+                  </p:par>
+                  <p:par>
+                    <p:cTn id="11" fill="hold">
+                      <p:stCondLst>
+                        <p:cond delay="indefinite"/>
+                      </p:stCondLst>
+                      <p:childTnLst>
+                        <p:par>
+                          <p:cTn id="12" fill="hold">
+                            <p:stCondLst>
+                              <p:cond delay="0"/>
+                            </p:stCondLst>
+                            <p:childTnLst>
+                              <p:par>
+                                <p:cTn id="13" presetID="1" presetClass="entr" presetSubtype="0" fill="hold" grpId="0" nodeType="clickEffect">
+                                  <p:stCondLst>
+                                    <p:cond delay="0"/>
+                                  </p:stCondLst>
+                                  <p:childTnLst>
+                                    <p:set>
+                                      <p:cBhvr>
+                                        <p:cTn id="14" dur="1" fill="hold">
+                                          <p:stCondLst>
+                                            <p:cond delay="0"/>
+                                          </p:stCondLst>
+                                        </p:cTn>
+                                        <p:tgtEl>
+                                          <p:spTgt spid="4">
+                                            <p:txEl>
+                                              <p:pRg st="2" end="2"/>
+                                            </p:txEl>
+                                          </p:spTgt>
+                                        </p:tgtEl>
+                                        <p:attrNameLst>
+                                          <p:attrName>style.visibility</p:attrName>
+                                        </p:attrNameLst>
+                                      </p:cBhvr>
+                                      <p:to>
+                                        <p:strVal val="visible"/>
+                                      </p:to>
+                                    </p:set>
+                                  </p:childTnLst>
+                                </p:cTn>
+                              </p:par>
+                            </p:childTnLst>
+                          </p:cTn>
+                        </p:par>
+                      </p:childTnLst>
+                    </p:cTn>
+                  </p:par>
+                  <p:par>
+                    <p:cTn id="15" fill="hold">
+                      <p:stCondLst>
+                        <p:cond delay="indefinite"/>
+                      </p:stCondLst>
+                      <p:childTnLst>
+                        <p:par>
+                          <p:cTn id="16" fill="hold">
+                            <p:stCondLst>
+                              <p:cond delay="0"/>
+                            </p:stCondLst>
+                            <p:childTnLst>
+                              <p:par>
+                                <p:cTn id="17" presetID="1" presetClass="entr" presetSubtype="0" fill="hold" grpId="0" nodeType="clickEffect">
+                                  <p:stCondLst>
+                                    <p:cond delay="0"/>
+                                  </p:stCondLst>
+                                  <p:childTnLst>
+                                    <p:set>
+                                      <p:cBhvr>
+                                        <p:cTn id="18" dur="1" fill="hold">
+                                          <p:stCondLst>
+                                            <p:cond delay="0"/>
+                                          </p:stCondLst>
+                                        </p:cTn>
+                                        <p:tgtEl>
+                                          <p:spTgt spid="4">
+                                            <p:txEl>
+                                              <p:pRg st="3" end="3"/>
+                                            </p:txEl>
+                                          </p:spTgt>
+                                        </p:tgtEl>
+                                        <p:attrNameLst>
+                                          <p:attrName>style.visibility</p:attrName>
+                                        </p:attrNameLst>
+                                      </p:cBhvr>
+                                      <p:to>
+                                        <p:strVal val="visible"/>
+                                      </p:to>
+                                    </p:set>
+                                  </p:childTnLst>
+                                </p:cTn>
+                              </p:par>
+                            </p:childTnLst>
+                          </p:cTn>
+                        </p:par>
+                      </p:childTnLst>
+                    </p:cTn>
+                  </p:par>
+                  <p:par>
+                    <p:cTn id="19" fill="hold">
+                      <p:stCondLst>
+                        <p:cond delay="indefinite"/>
+                      </p:stCondLst>
+                      <p:childTnLst>
+                        <p:par>
+                          <p:cTn id="20" fill="hold">
+                            <p:stCondLst>
+                              <p:cond delay="0"/>
+                            </p:stCondLst>
+                            <p:childTnLst>
+                              <p:par>
+                                <p:cTn id="21" presetID="1" presetClass="entr" presetSubtype="0" fill="hold" grpId="0" nodeType="clickEffect">
+                                  <p:stCondLst>
+                                    <p:cond delay="0"/>
+                                  </p:stCondLst>
+                                  <p:childTnLst>
+                                    <p:set>
+                                      <p:cBhvr>
+                                        <p:cTn id="22" dur="1" fill="hold">
+                                          <p:stCondLst>
+                                            <p:cond delay="0"/>
+                                          </p:stCondLst>
+                                        </p:cTn>
+                                        <p:tgtEl>
+                                          <p:spTgt spid="12">
+                                            <p:txEl>
+                                              <p:pRg st="0" end="0"/>
+                                            </p:txEl>
+                                          </p:spTgt>
+                                        </p:tgtEl>
+                                        <p:attrNameLst>
+                                          <p:attrName>style.visibility</p:attrName>
+                                        </p:attrNameLst>
+                                      </p:cBhvr>
+                                      <p:to>
+                                        <p:strVal val="visible"/>
+                                      </p:to>
+                                    </p:set>
+                                  </p:childTnLst>
+                                </p:cTn>
+                              </p:par>
+                            </p:childTnLst>
+                          </p:cTn>
+                        </p:par>
+                      </p:childTnLst>
+                    </p:cTn>
+                  </p:par>
+                  <p:par>
+                    <p:cTn id="23" fill="hold">
+                      <p:stCondLst>
+                        <p:cond delay="indefinite"/>
+                      </p:stCondLst>
+                      <p:childTnLst>
+                        <p:par>
+                          <p:cTn id="24" fill="hold">
+                            <p:stCondLst>
+                              <p:cond delay="0"/>
+                            </p:stCondLst>
+                            <p:childTnLst>
+                              <p:par>
+                                <p:cTn id="25" presetID="1" presetClass="entr" presetSubtype="0" fill="hold" grpId="0" nodeType="clickEffect">
+                                  <p:stCondLst>
+                                    <p:cond delay="0"/>
+                                  </p:stCondLst>
+                                  <p:childTnLst>
+                                    <p:set>
+                                      <p:cBhvr>
+                                        <p:cTn id="26" dur="1" fill="hold">
+                                          <p:stCondLst>
+                                            <p:cond delay="0"/>
+                                          </p:stCondLst>
+                                        </p:cTn>
+                                        <p:tgtEl>
+                                          <p:spTgt spid="12">
+                                            <p:txEl>
+                                              <p:pRg st="1" end="1"/>
+                                            </p:txEl>
+                                          </p:spTgt>
+                                        </p:tgtEl>
+                                        <p:attrNameLst>
+                                          <p:attrName>style.visibility</p:attrName>
+                                        </p:attrNameLst>
+                                      </p:cBhvr>
+                                      <p:to>
+                                        <p:strVal val="visible"/>
+                                      </p:to>
+                                    </p:set>
+                                  </p:childTnLst>
+                                </p:cTn>
+                              </p:par>
+                            </p:childTnLst>
+                          </p:cTn>
+                        </p:par>
+                      </p:childTnLst>
+                    </p:cTn>
+                  </p:par>
+                  <p:par>
+                    <p:cTn id="27" fill="hold">
+                      <p:stCondLst>
+                        <p:cond delay="indefinite"/>
+                      </p:stCondLst>
+                      <p:childTnLst>
+                        <p:par>
+                          <p:cTn id="28" fill="hold">
+                            <p:stCondLst>
+                              <p:cond delay="0"/>
+                            </p:stCondLst>
+                            <p:childTnLst>
+                              <p:par>
+                                <p:cTn id="29" presetID="1" presetClass="entr" presetSubtype="0" fill="hold" grpId="0" nodeType="clickEffect">
+                                  <p:stCondLst>
+                                    <p:cond delay="0"/>
+                                  </p:stCondLst>
+                                  <p:childTnLst>
+                                    <p:set>
+                                      <p:cBhvr>
+                                        <p:cTn id="30" dur="1" fill="hold">
+                                          <p:stCondLst>
+                                            <p:cond delay="0"/>
+                                          </p:stCondLst>
+                                        </p:cTn>
+                                        <p:tgtEl>
+                                          <p:spTgt spid="13">
+                                            <p:txEl>
+                                              <p:pRg st="0" end="0"/>
+                                            </p:txEl>
+                                          </p:spTgt>
+                                        </p:tgtEl>
+                                        <p:attrNameLst>
+                                          <p:attrName>style.visibility</p:attrName>
+                                        </p:attrNameLst>
+                                      </p:cBhvr>
+                                      <p:to>
+                                        <p:strVal val="visible"/>
+                                      </p:to>
+                                    </p:set>
+                                  </p:childTnLst>
+                                </p:cTn>
+                              </p:par>
+                            </p:childTnLst>
+                          </p:cTn>
+                        </p:par>
+                      </p:childTnLst>
+                    </p:cTn>
+                  </p:par>
+                  <p:par>
+                    <p:cTn id="31" fill="hold">
+                      <p:stCondLst>
+                        <p:cond delay="indefinite"/>
+                      </p:stCondLst>
+                      <p:childTnLst>
+                        <p:par>
+                          <p:cTn id="32" fill="hold">
+                            <p:stCondLst>
+                              <p:cond delay="0"/>
+                            </p:stCondLst>
+                            <p:childTnLst>
+                              <p:par>
+                                <p:cTn id="33" presetID="1" presetClass="entr" presetSubtype="0" fill="hold" grpId="0" nodeType="clickEffect">
+                                  <p:stCondLst>
+                                    <p:cond delay="0"/>
+                                  </p:stCondLst>
+                                  <p:childTnLst>
+                                    <p:set>
+                                      <p:cBhvr>
+                                        <p:cTn id="34" dur="1" fill="hold">
+                                          <p:stCondLst>
+                                            <p:cond delay="0"/>
+                                          </p:stCondLst>
+                                        </p:cTn>
+                                        <p:tgtEl>
+                                          <p:spTgt spid="13">
+                                            <p:txEl>
+                                              <p:pRg st="1" end="1"/>
+                                            </p:txEl>
+                                          </p:spTgt>
+                                        </p:tgtEl>
+                                        <p:attrNameLst>
+                                          <p:attrName>style.visibility</p:attrName>
+                                        </p:attrNameLst>
+                                      </p:cBhvr>
+                                      <p:to>
+                                        <p:strVal val="visible"/>
+                                      </p:to>
+                                    </p:set>
+                                  </p:childTnLst>
+                                </p:cTn>
+                              </p:par>
+                            </p:childTnLst>
+                          </p:cTn>
+                        </p:par>
+                      </p:childTnLst>
+                    </p:cTn>
+                  </p:par>
+                </p:childTnLst>
+              </p:cTn>
+              <p:prevCondLst>
+                <p:cond evt="onPrev" delay="0">
+                  <p:tgtEl>
+                    <p:sldTgt/>
+                  </p:tgtEl>
+                </p:cond>
+              </p:prevCondLst>
+              <p:nextCondLst>
+                <p:cond evt="onNext" delay="0">
+                  <p:tgtEl>
+                    <p:sldTgt/>
+                  </p:tgtEl>
+                </p:cond>
+              </p:nextCondLst>
+            </p:seq>
+          </p:childTnLst>
+        </p:cTn>
+      </p:par>
+    </p:tnLst>
+    <p:bldLst>
+      <p:bldP spid="4" grpId="0" uiExpand="1" build="p"/>
+      <p:bldP spid="12" grpId="0" build="p"/>
+      <p:bldP spid="13" grpId="0" build="p"/>
+    </p:bldLst>
+  </p:timing>
+</p:sld>
+</file>
+
+<file path=ppt/slides/slide12.xml><?xml version="1.0" encoding="utf-8"?>
+<p:sld xmlns:a="http://schemas.openxmlformats.org/drawingml/2006/main" xmlns:r="http://schemas.openxmlformats.org/officeDocument/2006/relationships" xmlns:p="http://schemas.openxmlformats.org/presentationml/2006/main">
+  <p:cSld>
+    <p:spTree>
+      <p:nvGrpSpPr>
+        <p:cNvPr id="1" name=""/>
+        <p:cNvGrpSpPr/>
+        <p:nvPr/>
+      </p:nvGrpSpPr>
+      <p:grpSpPr>
+        <a:xfrm>
+          <a:off x="0" y="0"/>
+          <a:ext cx="0" cy="0"/>
+          <a:chOff x="0" y="0"/>
+          <a:chExt cx="0" cy="0"/>
+        </a:xfrm>
+      </p:grpSpPr>
+      <p:sp>
+        <p:nvSpPr>
+          <p:cNvPr id="2" name="Título 1"/>
+          <p:cNvSpPr>
+            <a:spLocks noGrp="1"/>
+          </p:cNvSpPr>
+          <p:nvPr>
+            <p:ph type="title"/>
+          </p:nvPr>
+        </p:nvSpPr>
+        <p:spPr/>
+        <p:txBody>
+          <a:bodyPr/>
+          <a:lstStyle/>
+          <a:p>
+            <a:endParaRPr lang="pt-BR"/>
+          </a:p>
+        </p:txBody>
+      </p:sp>
+      <p:sp>
+        <p:nvSpPr>
+          <p:cNvPr id="3" name="Espaço Reservado para Texto 2"/>
+          <p:cNvSpPr>
+            <a:spLocks noGrp="1"/>
+          </p:cNvSpPr>
+          <p:nvPr>
+            <p:ph type="body" idx="1"/>
+          </p:nvPr>
+        </p:nvSpPr>
+        <p:spPr/>
+        <p:txBody>
+          <a:bodyPr/>
+          <a:lstStyle/>
+          <a:p>
+            <a:endParaRPr lang="pt-BR"/>
+          </a:p>
+        </p:txBody>
+      </p:sp>
+      <p:sp>
+        <p:nvSpPr>
+          <p:cNvPr id="4" name="Espaço Reservado para Conteúdo 3"/>
+          <p:cNvSpPr>
+            <a:spLocks noGrp="1"/>
+          </p:cNvSpPr>
+          <p:nvPr>
+            <p:ph sz="half" idx="2"/>
+          </p:nvPr>
+        </p:nvSpPr>
+        <p:spPr/>
+        <p:txBody>
+          <a:bodyPr/>
+          <a:lstStyle/>
+          <a:p>
+            <a:endParaRPr lang="pt-BR" dirty="0"/>
+          </a:p>
+        </p:txBody>
+      </p:sp>
+      <p:sp>
+        <p:nvSpPr>
+          <p:cNvPr id="5" name="Espaço Reservado para Texto 4"/>
+          <p:cNvSpPr>
+            <a:spLocks noGrp="1"/>
+          </p:cNvSpPr>
+          <p:nvPr>
+            <p:ph type="body" sz="quarter" idx="3"/>
+          </p:nvPr>
+        </p:nvSpPr>
+        <p:spPr/>
+        <p:txBody>
+          <a:bodyPr/>
+          <a:lstStyle/>
+          <a:p>
+            <a:endParaRPr lang="pt-BR"/>
+          </a:p>
+        </p:txBody>
+      </p:sp>
+      <p:sp>
+        <p:nvSpPr>
+          <p:cNvPr id="6" name="Espaço Reservado para Conteúdo 5"/>
+          <p:cNvSpPr>
+            <a:spLocks noGrp="1"/>
+          </p:cNvSpPr>
+          <p:nvPr>
+            <p:ph sz="quarter" idx="4"/>
+          </p:nvPr>
+        </p:nvSpPr>
+        <p:spPr/>
+        <p:txBody>
+          <a:bodyPr/>
+          <a:lstStyle/>
+          <a:p>
+            <a:endParaRPr lang="pt-BR"/>
+          </a:p>
+        </p:txBody>
+      </p:sp>
+      <p:pic>
+        <p:nvPicPr>
           <p:cNvPr id="2051" name="Picture 3"/>
           <p:cNvPicPr>
             <a:picLocks noChangeAspect="1" noChangeArrowheads="1"/>
@@ -4353,7 +5552,7 @@
         </p:blipFill>
         <p:spPr bwMode="auto">
           <a:xfrm>
-            <a:off x="2422004" y="260648"/>
+            <a:off x="2317005" y="220741"/>
             <a:ext cx="7554814" cy="6416517"/>
           </a:xfrm>
           <a:prstGeom prst="rect">
@@ -4416,17 +5615,10 @@
       </p:transition>
     </mc:Fallback>
   </mc:AlternateContent>
-  <p:timing>
-    <p:tnLst>
-      <p:par>
-        <p:cTn id="1" dur="indefinite" restart="never" nodeType="tmRoot"/>
-      </p:par>
-    </p:tnLst>
-  </p:timing>
 </p:sld>
 </file>
 
-<file path=ppt/slides/slide11.xml><?xml version="1.0" encoding="utf-8"?>
+<file path=ppt/slides/slide13.xml><?xml version="1.0" encoding="utf-8"?>
 <p:sld xmlns:a="http://schemas.openxmlformats.org/drawingml/2006/main" xmlns:r="http://schemas.openxmlformats.org/officeDocument/2006/relationships" xmlns:p="http://schemas.openxmlformats.org/presentationml/2006/main">
   <p:cSld>
     <p:spTree>
@@ -4460,10 +5652,9 @@
           <a:p>
             <a:pPr rtl="0"/>
             <a:r>
-              <a:rPr lang="pt-BR" dirty="0" smtClean="0"/>
+              <a:rPr lang="pt-BR" dirty="0"/>
               <a:t>Obrigado!</a:t>
             </a:r>
-            <a:endParaRPr lang="pt-BR" dirty="0"/>
           </a:p>
         </p:txBody>
       </p:sp>
@@ -4491,22 +5682,22 @@
           <a:p>
             <a:pPr rtl="0"/>
             <a:r>
-              <a:rPr lang="pt-BR" sz="2000" dirty="0" smtClean="0"/>
+              <a:rPr lang="pt-BR" sz="2000" dirty="0"/>
               <a:t>github.com/</a:t>
             </a:r>
             <a:r>
-              <a:rPr lang="pt-BR" sz="2000" dirty="0" err="1" smtClean="0"/>
+              <a:rPr lang="pt-BR" sz="2000" dirty="0" err="1"/>
               <a:t>BrunoSzczuk</a:t>
             </a:r>
             <a:r>
-              <a:rPr lang="pt-BR" sz="2000" dirty="0" smtClean="0"/>
+              <a:rPr lang="pt-BR" sz="2000" dirty="0"/>
               <a:t>/</a:t>
             </a:r>
             <a:r>
-              <a:rPr lang="pt-BR" sz="2000" dirty="0" err="1" smtClean="0"/>
+              <a:rPr lang="pt-BR" sz="2000" dirty="0" err="1"/>
               <a:t>ApontaHidrometro</a:t>
             </a:r>
-            <a:endParaRPr lang="pt-BR" sz="2000" dirty="0" smtClean="0"/>
+            <a:endParaRPr lang="pt-BR" sz="2000" dirty="0"/>
           </a:p>
           <a:p>
             <a:pPr rtl="0"/>
@@ -4515,10 +5706,9 @@
           <a:p>
             <a:pPr rtl="0"/>
             <a:r>
-              <a:rPr lang="pt-BR" sz="2000" dirty="0" smtClean="0"/>
+              <a:rPr lang="pt-BR" sz="2000" dirty="0"/>
               <a:t>brunoszczuk@gmail.com</a:t>
             </a:r>
-            <a:endParaRPr lang="pt-BR" sz="2000" dirty="0"/>
           </a:p>
         </p:txBody>
       </p:sp>
@@ -4539,11 +5729,11 @@
           <a:p>
             <a:pPr rtl="0"/>
             <a:r>
-              <a:rPr lang="pt-BR" dirty="0" smtClean="0"/>
+              <a:rPr lang="pt-BR" dirty="0"/>
               <a:t>Bruno Henrique Pereira </a:t>
             </a:r>
             <a:r>
-              <a:rPr lang="pt-BR" dirty="0" err="1" smtClean="0"/>
+              <a:rPr lang="pt-BR" dirty="0" err="1"/>
               <a:t>Szczuk</a:t>
             </a:r>
             <a:endParaRPr lang="pt-BR" dirty="0"/>
@@ -4695,13 +5885,6 @@
       </p:transition>
     </mc:Fallback>
   </mc:AlternateContent>
-  <p:timing>
-    <p:tnLst>
-      <p:par>
-        <p:cTn id="1" dur="indefinite" restart="never" nodeType="tmRoot"/>
-      </p:par>
-    </p:tnLst>
-  </p:timing>
 </p:sld>
 </file>
 
@@ -4739,7 +5922,7 @@
           <a:p>
             <a:pPr rtl="0"/>
             <a:r>
-              <a:rPr lang="pt-BR" dirty="0" err="1" smtClean="0"/>
+              <a:rPr lang="pt-BR" dirty="0" err="1"/>
               <a:t>Coletrômetro</a:t>
             </a:r>
             <a:endParaRPr lang="en-US" dirty="0"/>
@@ -4763,21 +5946,8 @@
           <a:p>
             <a:r>
               <a:rPr lang="pt-BR" dirty="0"/>
-              <a:t>Trata-se de uma plataforma web, com o objetivo de automatizar os apontamentos de hidrômetros (vulgo “registro de água”), fornecendo um ambiente capaz de gerenciar o consumo, os equipamentos, os </a:t>
-            </a:r>
-            <a:r>
-              <a:rPr lang="pt-BR" dirty="0" smtClean="0"/>
-              <a:t>contratos, unidades consumidoras e </a:t>
-            </a:r>
-            <a:r>
-              <a:rPr lang="pt-BR" dirty="0"/>
-              <a:t>títulos a pagar de seus </a:t>
-            </a:r>
-            <a:r>
-              <a:rPr lang="pt-BR" dirty="0" smtClean="0"/>
-              <a:t>clientes.</a:t>
-            </a:r>
-            <a:endParaRPr lang="pt-BR" dirty="0"/>
+              <a:t>Trata-se de uma plataforma web, com o objetivo de automatizar os apontamentos de hidrômetros (vulgo “registro de água”), fornecendo um ambiente capaz de gerenciar o consumo, os equipamentos, os contratos, unidades consumidoras e títulos a pagar de seus clientes.</a:t>
+            </a:r>
           </a:p>
         </p:txBody>
       </p:sp>
@@ -4844,13 +6014,6 @@
       </p:transition>
     </mc:Fallback>
   </mc:AlternateContent>
-  <p:timing>
-    <p:tnLst>
-      <p:par>
-        <p:cTn id="1" dur="indefinite" restart="never" nodeType="tmRoot"/>
-      </p:par>
-    </p:tnLst>
-  </p:timing>
 </p:sld>
 </file>
 
@@ -6196,10 +7359,9 @@
           <a:p>
             <a:pPr rtl="0"/>
             <a:r>
-              <a:rPr lang="pt-BR" dirty="0" smtClean="0"/>
+              <a:rPr lang="pt-BR" dirty="0"/>
               <a:t>Tecnologias</a:t>
             </a:r>
-            <a:endParaRPr lang="pt-BR" dirty="0"/>
           </a:p>
         </p:txBody>
       </p:sp>
@@ -6213,93 +7375,25 @@
             <p:ph type="body" idx="1"/>
           </p:nvPr>
         </p:nvSpPr>
-        <p:spPr/>
+        <p:spPr>
+          <a:xfrm>
+            <a:off x="1341884" y="2446784"/>
+            <a:ext cx="4416552" cy="762000"/>
+          </a:xfrm>
+        </p:spPr>
         <p:txBody>
           <a:bodyPr rtlCol="0"/>
           <a:lstStyle/>
           <a:p>
             <a:pPr rtl="0"/>
             <a:r>
-              <a:rPr lang="pt-BR" dirty="0" smtClean="0"/>
+              <a:rPr lang="pt-BR" dirty="0"/>
               <a:t>Front-</a:t>
             </a:r>
             <a:r>
-              <a:rPr lang="pt-BR" dirty="0" err="1" smtClean="0"/>
+              <a:rPr lang="pt-BR" dirty="0" err="1"/>
               <a:t>end</a:t>
             </a:r>
-            <a:endParaRPr lang="pt-BR" dirty="0"/>
-          </a:p>
-        </p:txBody>
-      </p:sp>
-      <p:sp>
-        <p:nvSpPr>
-          <p:cNvPr id="4" name="Espaço Reservado para Conteúdo 3"/>
-          <p:cNvSpPr>
-            <a:spLocks noGrp="1"/>
-          </p:cNvSpPr>
-          <p:nvPr>
-            <p:ph sz="half" idx="2"/>
-          </p:nvPr>
-        </p:nvSpPr>
-        <p:spPr>
-          <a:xfrm>
-            <a:off x="1522411" y="2743200"/>
-            <a:ext cx="4416552" cy="3926159"/>
-          </a:xfrm>
-        </p:spPr>
-        <p:txBody>
-          <a:bodyPr rtlCol="0">
-            <a:normAutofit/>
-          </a:bodyPr>
-          <a:lstStyle/>
-          <a:p>
-            <a:pPr lvl="0"/>
-            <a:r>
-              <a:rPr lang="pt-BR" dirty="0"/>
-              <a:t>HTML 5</a:t>
-            </a:r>
-          </a:p>
-          <a:p>
-            <a:pPr lvl="0"/>
-            <a:r>
-              <a:rPr lang="pt-BR" dirty="0" err="1"/>
-              <a:t>JavaScript</a:t>
-            </a:r>
-            <a:endParaRPr lang="pt-BR" dirty="0"/>
-          </a:p>
-          <a:p>
-            <a:pPr lvl="0"/>
-            <a:r>
-              <a:rPr lang="pt-BR" dirty="0" err="1"/>
-              <a:t>Bootstrap</a:t>
-            </a:r>
-            <a:endParaRPr lang="pt-BR" dirty="0"/>
-          </a:p>
-          <a:p>
-            <a:pPr lvl="0"/>
-            <a:r>
-              <a:rPr lang="pt-BR" dirty="0" err="1" smtClean="0"/>
-              <a:t>Thymeleaf</a:t>
-            </a:r>
-            <a:endParaRPr lang="pt-BR" dirty="0" smtClean="0"/>
-          </a:p>
-          <a:p>
-            <a:r>
-              <a:rPr lang="pt-BR" dirty="0" err="1" smtClean="0"/>
-              <a:t>WebJars</a:t>
-            </a:r>
-            <a:endParaRPr lang="pt-BR" dirty="0"/>
-          </a:p>
-          <a:p>
-            <a:pPr lvl="0"/>
-            <a:r>
-              <a:rPr lang="pt-BR" dirty="0" err="1"/>
-              <a:t>DataTables</a:t>
-            </a:r>
-            <a:endParaRPr lang="pt-BR" dirty="0"/>
-          </a:p>
-          <a:p>
-            <a:pPr lvl="0"/>
             <a:endParaRPr lang="pt-BR" dirty="0"/>
           </a:p>
         </p:txBody>
@@ -6321,11 +7415,11 @@
           <a:p>
             <a:pPr rtl="0"/>
             <a:r>
-              <a:rPr lang="pt-BR" dirty="0" smtClean="0"/>
+              <a:rPr lang="pt-BR" dirty="0"/>
               <a:t>Back-</a:t>
             </a:r>
             <a:r>
-              <a:rPr lang="pt-BR" dirty="0" err="1" smtClean="0"/>
+              <a:rPr lang="pt-BR" dirty="0" err="1"/>
               <a:t>end</a:t>
             </a:r>
             <a:endParaRPr lang="pt-BR" dirty="0"/>
@@ -6344,7 +7438,7 @@
         </p:nvSpPr>
         <p:spPr>
           <a:xfrm>
-            <a:off x="6249861" y="2743200"/>
+            <a:off x="2812551" y="496507"/>
             <a:ext cx="4416552" cy="3926159"/>
           </a:xfrm>
         </p:spPr>
@@ -6355,70 +7449,6 @@
           <a:lstStyle/>
           <a:p>
             <a:pPr lvl="0"/>
-            <a:r>
-              <a:rPr lang="pt-BR" dirty="0"/>
-              <a:t>Spring MVC</a:t>
-            </a:r>
-          </a:p>
-          <a:p>
-            <a:pPr lvl="0"/>
-            <a:r>
-              <a:rPr lang="pt-BR" dirty="0"/>
-              <a:t>Spring Data</a:t>
-            </a:r>
-          </a:p>
-          <a:p>
-            <a:pPr lvl="0"/>
-            <a:r>
-              <a:rPr lang="pt-BR" dirty="0"/>
-              <a:t>Spring Security</a:t>
-            </a:r>
-          </a:p>
-          <a:p>
-            <a:pPr lvl="0"/>
-            <a:r>
-              <a:rPr lang="pt-BR" dirty="0" err="1"/>
-              <a:t>Hibernate</a:t>
-            </a:r>
-            <a:endParaRPr lang="pt-BR" dirty="0"/>
-          </a:p>
-          <a:p>
-            <a:pPr lvl="0"/>
-            <a:r>
-              <a:rPr lang="pt-BR" dirty="0" err="1"/>
-              <a:t>WebJars</a:t>
-            </a:r>
-            <a:endParaRPr lang="pt-BR" dirty="0"/>
-          </a:p>
-          <a:p>
-            <a:pPr lvl="0"/>
-            <a:r>
-              <a:rPr lang="pt-BR" dirty="0" err="1"/>
-              <a:t>Resource</a:t>
-            </a:r>
-            <a:r>
-              <a:rPr lang="pt-BR" dirty="0"/>
-              <a:t> </a:t>
-            </a:r>
-            <a:r>
-              <a:rPr lang="pt-BR" dirty="0" err="1"/>
-              <a:t>Bundle</a:t>
-            </a:r>
-            <a:endParaRPr lang="pt-BR" dirty="0"/>
-          </a:p>
-          <a:p>
-            <a:r>
-              <a:rPr lang="pt-BR" dirty="0" err="1"/>
-              <a:t>Bean</a:t>
-            </a:r>
-            <a:r>
-              <a:rPr lang="pt-BR" dirty="0"/>
-              <a:t> </a:t>
-            </a:r>
-            <a:r>
-              <a:rPr lang="pt-BR" dirty="0" err="1" smtClean="0"/>
-              <a:t>Validation</a:t>
-            </a:r>
             <a:endParaRPr lang="pt-BR" dirty="0"/>
           </a:p>
           <a:p>
@@ -6427,6 +7457,1382 @@
           </a:p>
         </p:txBody>
       </p:sp>
+      <p:pic>
+        <p:nvPicPr>
+          <p:cNvPr id="8" name="Gráfico 7">
+            <a:extLst>
+              <a:ext uri="{FF2B5EF4-FFF2-40B4-BE49-F238E27FC236}">
+                <a16:creationId xmlns:a16="http://schemas.microsoft.com/office/drawing/2014/main" id="{57034D00-3636-42AF-8513-5D9CC5C539C1}"/>
+              </a:ext>
+            </a:extLst>
+          </p:cNvPr>
+          <p:cNvPicPr>
+            <a:picLocks noChangeAspect="1"/>
+          </p:cNvPicPr>
+          <p:nvPr/>
+        </p:nvPicPr>
+        <p:blipFill>
+          <a:blip r:embed="rId2" cstate="print">
+            <a:extLst>
+              <a:ext uri="{28A0092B-C50C-407E-A947-70E740481C1C}">
+                <a14:useLocalDpi xmlns:a14="http://schemas.microsoft.com/office/drawing/2010/main" val="0"/>
+              </a:ext>
+              <a:ext uri="{96DAC541-7B7A-43D3-8B79-37D633B846F1}">
+                <asvg:svgBlip xmlns:asvg="http://schemas.microsoft.com/office/drawing/2016/SVG/main" r:embed="rId3"/>
+              </a:ext>
+            </a:extLst>
+          </a:blip>
+          <a:stretch>
+            <a:fillRect/>
+          </a:stretch>
+        </p:blipFill>
+        <p:spPr>
+          <a:xfrm>
+            <a:off x="1079375" y="3192705"/>
+            <a:ext cx="525018" cy="525018"/>
+          </a:xfrm>
+          <a:prstGeom prst="rect">
+            <a:avLst/>
+          </a:prstGeom>
+        </p:spPr>
+      </p:pic>
+      <p:pic>
+        <p:nvPicPr>
+          <p:cNvPr id="10" name="Gráfico 9">
+            <a:extLst>
+              <a:ext uri="{FF2B5EF4-FFF2-40B4-BE49-F238E27FC236}">
+                <a16:creationId xmlns:a16="http://schemas.microsoft.com/office/drawing/2014/main" id="{98F95373-C4F9-49D7-83FD-66D662007131}"/>
+              </a:ext>
+            </a:extLst>
+          </p:cNvPr>
+          <p:cNvPicPr>
+            <a:picLocks noChangeAspect="1"/>
+          </p:cNvPicPr>
+          <p:nvPr/>
+        </p:nvPicPr>
+        <p:blipFill>
+          <a:blip r:embed="rId4" cstate="print">
+            <a:extLst>
+              <a:ext uri="{28A0092B-C50C-407E-A947-70E740481C1C}">
+                <a14:useLocalDpi xmlns:a14="http://schemas.microsoft.com/office/drawing/2010/main" val="0"/>
+              </a:ext>
+              <a:ext uri="{96DAC541-7B7A-43D3-8B79-37D633B846F1}">
+                <asvg:svgBlip xmlns:asvg="http://schemas.microsoft.com/office/drawing/2016/SVG/main" r:embed="rId5"/>
+              </a:ext>
+            </a:extLst>
+          </a:blip>
+          <a:stretch>
+            <a:fillRect/>
+          </a:stretch>
+        </p:blipFill>
+        <p:spPr>
+          <a:xfrm>
+            <a:off x="1089349" y="3803016"/>
+            <a:ext cx="455800" cy="455800"/>
+          </a:xfrm>
+          <a:prstGeom prst="rect">
+            <a:avLst/>
+          </a:prstGeom>
+        </p:spPr>
+      </p:pic>
+      <p:sp>
+        <p:nvSpPr>
+          <p:cNvPr id="11" name="Espaço Reservado para Texto 4">
+            <a:extLst>
+              <a:ext uri="{FF2B5EF4-FFF2-40B4-BE49-F238E27FC236}">
+                <a16:creationId xmlns:a16="http://schemas.microsoft.com/office/drawing/2014/main" id="{8F4B582F-5E34-4129-BB30-173A86FF057E}"/>
+              </a:ext>
+            </a:extLst>
+          </p:cNvPr>
+          <p:cNvSpPr txBox="1">
+            <a:spLocks/>
+          </p:cNvSpPr>
+          <p:nvPr/>
+        </p:nvSpPr>
+        <p:spPr>
+          <a:xfrm>
+            <a:off x="946348" y="1891534"/>
+            <a:ext cx="2088232" cy="762000"/>
+          </a:xfrm>
+          <a:prstGeom prst="rect">
+            <a:avLst/>
+          </a:prstGeom>
+        </p:spPr>
+        <p:txBody>
+          <a:bodyPr vert="horz" lIns="91440" tIns="45720" rIns="91440" bIns="45720" rtlCol="0" anchor="ctr">
+            <a:noAutofit/>
+          </a:bodyPr>
+          <a:lstStyle>
+            <a:lvl1pPr marL="0" indent="0" algn="l" defTabSz="914400" rtl="0" eaLnBrk="1" latinLnBrk="0" hangingPunct="1">
+              <a:lnSpc>
+                <a:spcPct val="90000"/>
+              </a:lnSpc>
+              <a:spcBef>
+                <a:spcPts val="0"/>
+              </a:spcBef>
+              <a:buClr>
+                <a:schemeClr val="accent1"/>
+              </a:buClr>
+              <a:buSzPct val="100000"/>
+              <a:buFont typeface="Arial" pitchFamily="34" charset="0"/>
+              <a:buNone/>
+              <a:defRPr sz="2000" b="0" kern="1200" cap="all" spc="200" baseline="0">
+                <a:solidFill>
+                  <a:schemeClr val="accent1"/>
+                </a:solidFill>
+                <a:latin typeface="+mn-lt"/>
+                <a:ea typeface="+mn-ea"/>
+                <a:cs typeface="+mn-cs"/>
+              </a:defRPr>
+            </a:lvl1pPr>
+            <a:lvl2pPr marL="457200" indent="0" algn="l" defTabSz="914400" rtl="0" eaLnBrk="1" latinLnBrk="0" hangingPunct="1">
+              <a:lnSpc>
+                <a:spcPct val="90000"/>
+              </a:lnSpc>
+              <a:spcBef>
+                <a:spcPts val="1200"/>
+              </a:spcBef>
+              <a:buClr>
+                <a:schemeClr val="accent1"/>
+              </a:buClr>
+              <a:buSzPct val="100000"/>
+              <a:buFont typeface="Arial" pitchFamily="34" charset="0"/>
+              <a:buNone/>
+              <a:defRPr sz="2000" b="1" kern="1200">
+                <a:solidFill>
+                  <a:schemeClr val="tx1"/>
+                </a:solidFill>
+                <a:latin typeface="+mn-lt"/>
+                <a:ea typeface="+mn-ea"/>
+                <a:cs typeface="+mn-cs"/>
+              </a:defRPr>
+            </a:lvl2pPr>
+            <a:lvl3pPr marL="914400" indent="0" algn="l" defTabSz="914400" rtl="0" eaLnBrk="1" latinLnBrk="0" hangingPunct="1">
+              <a:lnSpc>
+                <a:spcPct val="90000"/>
+              </a:lnSpc>
+              <a:spcBef>
+                <a:spcPts val="600"/>
+              </a:spcBef>
+              <a:buClr>
+                <a:schemeClr val="accent1"/>
+              </a:buClr>
+              <a:buSzPct val="100000"/>
+              <a:buFont typeface="Arial" pitchFamily="34" charset="0"/>
+              <a:buNone/>
+              <a:defRPr sz="1800" b="1" kern="1200">
+                <a:solidFill>
+                  <a:schemeClr val="tx1"/>
+                </a:solidFill>
+                <a:latin typeface="+mn-lt"/>
+                <a:ea typeface="+mn-ea"/>
+                <a:cs typeface="+mn-cs"/>
+              </a:defRPr>
+            </a:lvl3pPr>
+            <a:lvl4pPr marL="1371600" indent="0" algn="l" defTabSz="914400" rtl="0" eaLnBrk="1" latinLnBrk="0" hangingPunct="1">
+              <a:lnSpc>
+                <a:spcPct val="90000"/>
+              </a:lnSpc>
+              <a:spcBef>
+                <a:spcPts val="600"/>
+              </a:spcBef>
+              <a:buClr>
+                <a:schemeClr val="accent1"/>
+              </a:buClr>
+              <a:buSzPct val="100000"/>
+              <a:buFont typeface="Arial" pitchFamily="34" charset="0"/>
+              <a:buNone/>
+              <a:defRPr sz="1600" b="1" kern="1200">
+                <a:solidFill>
+                  <a:schemeClr val="tx1"/>
+                </a:solidFill>
+                <a:latin typeface="+mn-lt"/>
+                <a:ea typeface="+mn-ea"/>
+                <a:cs typeface="+mn-cs"/>
+              </a:defRPr>
+            </a:lvl4pPr>
+            <a:lvl5pPr marL="1828800" indent="0" algn="l" defTabSz="914400" rtl="0" eaLnBrk="1" latinLnBrk="0" hangingPunct="1">
+              <a:lnSpc>
+                <a:spcPct val="90000"/>
+              </a:lnSpc>
+              <a:spcBef>
+                <a:spcPts val="600"/>
+              </a:spcBef>
+              <a:buClr>
+                <a:schemeClr val="accent1"/>
+              </a:buClr>
+              <a:buSzPct val="100000"/>
+              <a:buFont typeface="Arial" pitchFamily="34" charset="0"/>
+              <a:buNone/>
+              <a:defRPr sz="1600" b="1" kern="1200">
+                <a:solidFill>
+                  <a:schemeClr val="tx1"/>
+                </a:solidFill>
+                <a:latin typeface="+mn-lt"/>
+                <a:ea typeface="+mn-ea"/>
+                <a:cs typeface="+mn-cs"/>
+              </a:defRPr>
+            </a:lvl5pPr>
+            <a:lvl6pPr marL="2286000" indent="0" algn="l" defTabSz="914400" rtl="0" eaLnBrk="1" latinLnBrk="0" hangingPunct="1">
+              <a:spcBef>
+                <a:spcPts val="600"/>
+              </a:spcBef>
+              <a:buClr>
+                <a:schemeClr val="accent1"/>
+              </a:buClr>
+              <a:buFont typeface="Arial" pitchFamily="34" charset="0"/>
+              <a:buNone/>
+              <a:defRPr sz="1600" b="1" kern="1200">
+                <a:solidFill>
+                  <a:schemeClr val="tx1"/>
+                </a:solidFill>
+                <a:latin typeface="+mn-lt"/>
+                <a:ea typeface="+mn-ea"/>
+                <a:cs typeface="+mn-cs"/>
+              </a:defRPr>
+            </a:lvl6pPr>
+            <a:lvl7pPr marL="2743200" indent="0" algn="l" defTabSz="914400" rtl="0" eaLnBrk="1" latinLnBrk="0" hangingPunct="1">
+              <a:spcBef>
+                <a:spcPts val="600"/>
+              </a:spcBef>
+              <a:buClr>
+                <a:schemeClr val="accent1"/>
+              </a:buClr>
+              <a:buFont typeface="Arial" pitchFamily="34" charset="0"/>
+              <a:buNone/>
+              <a:defRPr sz="1600" b="1" kern="1200">
+                <a:solidFill>
+                  <a:schemeClr val="tx1"/>
+                </a:solidFill>
+                <a:latin typeface="+mn-lt"/>
+                <a:ea typeface="+mn-ea"/>
+                <a:cs typeface="+mn-cs"/>
+              </a:defRPr>
+            </a:lvl7pPr>
+            <a:lvl8pPr marL="3200400" indent="0" algn="l" defTabSz="914400" rtl="0" eaLnBrk="1" latinLnBrk="0" hangingPunct="1">
+              <a:spcBef>
+                <a:spcPts val="600"/>
+              </a:spcBef>
+              <a:buClr>
+                <a:schemeClr val="accent1"/>
+              </a:buClr>
+              <a:buFont typeface="Arial" pitchFamily="34" charset="0"/>
+              <a:buNone/>
+              <a:defRPr sz="1600" b="1" kern="1200">
+                <a:solidFill>
+                  <a:schemeClr val="tx1"/>
+                </a:solidFill>
+                <a:latin typeface="+mn-lt"/>
+                <a:ea typeface="+mn-ea"/>
+                <a:cs typeface="+mn-cs"/>
+              </a:defRPr>
+            </a:lvl8pPr>
+            <a:lvl9pPr marL="3657600" indent="0" algn="l" defTabSz="914400" rtl="0" eaLnBrk="1" latinLnBrk="0" hangingPunct="1">
+              <a:spcBef>
+                <a:spcPts val="600"/>
+              </a:spcBef>
+              <a:buClr>
+                <a:schemeClr val="accent1"/>
+              </a:buClr>
+              <a:buFont typeface="Arial" pitchFamily="34" charset="0"/>
+              <a:buNone/>
+              <a:defRPr sz="1600" b="1" kern="1200">
+                <a:solidFill>
+                  <a:schemeClr val="tx1"/>
+                </a:solidFill>
+                <a:latin typeface="+mn-lt"/>
+                <a:ea typeface="+mn-ea"/>
+                <a:cs typeface="+mn-cs"/>
+              </a:defRPr>
+            </a:lvl9pPr>
+          </a:lstStyle>
+          <a:p>
+            <a:r>
+              <a:rPr lang="pt-BR" dirty="0"/>
+              <a:t>Linguagem</a:t>
+            </a:r>
+          </a:p>
+        </p:txBody>
+      </p:sp>
+      <p:sp>
+        <p:nvSpPr>
+          <p:cNvPr id="12" name="Espaço Reservado para Conteúdo 5">
+            <a:extLst>
+              <a:ext uri="{FF2B5EF4-FFF2-40B4-BE49-F238E27FC236}">
+                <a16:creationId xmlns:a16="http://schemas.microsoft.com/office/drawing/2014/main" id="{2B847EB3-C15E-41BD-BFF1-8F58C26FB849}"/>
+              </a:ext>
+            </a:extLst>
+          </p:cNvPr>
+          <p:cNvSpPr txBox="1">
+            <a:spLocks/>
+          </p:cNvSpPr>
+          <p:nvPr/>
+        </p:nvSpPr>
+        <p:spPr>
+          <a:xfrm>
+            <a:off x="3142084" y="2036095"/>
+            <a:ext cx="1440160" cy="462426"/>
+          </a:xfrm>
+          <a:prstGeom prst="rect">
+            <a:avLst/>
+          </a:prstGeom>
+        </p:spPr>
+        <p:txBody>
+          <a:bodyPr vert="horz" lIns="91440" tIns="45720" rIns="91440" bIns="45720" rtlCol="0">
+            <a:normAutofit/>
+          </a:bodyPr>
+          <a:lstStyle>
+            <a:lvl1pPr marL="223838" indent="-223838" algn="l" defTabSz="914400" rtl="0" eaLnBrk="1" latinLnBrk="0" hangingPunct="1">
+              <a:lnSpc>
+                <a:spcPct val="90000"/>
+              </a:lnSpc>
+              <a:spcBef>
+                <a:spcPts val="1800"/>
+              </a:spcBef>
+              <a:buClr>
+                <a:schemeClr val="accent1"/>
+              </a:buClr>
+              <a:buSzPct val="100000"/>
+              <a:buFont typeface="Arial" pitchFamily="34" charset="0"/>
+              <a:buChar char="•"/>
+              <a:defRPr sz="2400" kern="1200">
+                <a:solidFill>
+                  <a:schemeClr val="tx1"/>
+                </a:solidFill>
+                <a:latin typeface="+mn-lt"/>
+                <a:ea typeface="+mn-ea"/>
+                <a:cs typeface="+mn-cs"/>
+              </a:defRPr>
+            </a:lvl1pPr>
+            <a:lvl2pPr marL="463550" indent="-231775" algn="l" defTabSz="914400" rtl="0" eaLnBrk="1" latinLnBrk="0" hangingPunct="1">
+              <a:lnSpc>
+                <a:spcPct val="90000"/>
+              </a:lnSpc>
+              <a:spcBef>
+                <a:spcPts val="1200"/>
+              </a:spcBef>
+              <a:buClr>
+                <a:schemeClr val="accent1"/>
+              </a:buClr>
+              <a:buSzPct val="100000"/>
+              <a:buFont typeface="Arial" pitchFamily="34" charset="0"/>
+              <a:buChar char="•"/>
+              <a:defRPr sz="2000" kern="1200">
+                <a:solidFill>
+                  <a:schemeClr val="tx1"/>
+                </a:solidFill>
+                <a:latin typeface="+mn-lt"/>
+                <a:ea typeface="+mn-ea"/>
+                <a:cs typeface="+mn-cs"/>
+              </a:defRPr>
+            </a:lvl2pPr>
+            <a:lvl3pPr marL="682625" indent="-219075" algn="l" defTabSz="914400" rtl="0" eaLnBrk="1" latinLnBrk="0" hangingPunct="1">
+              <a:lnSpc>
+                <a:spcPct val="90000"/>
+              </a:lnSpc>
+              <a:spcBef>
+                <a:spcPts val="600"/>
+              </a:spcBef>
+              <a:buClr>
+                <a:schemeClr val="accent1"/>
+              </a:buClr>
+              <a:buSzPct val="100000"/>
+              <a:buFont typeface="Arial" pitchFamily="34" charset="0"/>
+              <a:buChar char="•"/>
+              <a:defRPr sz="1800" kern="1200">
+                <a:solidFill>
+                  <a:schemeClr val="tx1"/>
+                </a:solidFill>
+                <a:latin typeface="+mn-lt"/>
+                <a:ea typeface="+mn-ea"/>
+                <a:cs typeface="+mn-cs"/>
+              </a:defRPr>
+            </a:lvl3pPr>
+            <a:lvl4pPr marL="857250" indent="-174625" algn="l" defTabSz="914400" rtl="0" eaLnBrk="1" latinLnBrk="0" hangingPunct="1">
+              <a:lnSpc>
+                <a:spcPct val="90000"/>
+              </a:lnSpc>
+              <a:spcBef>
+                <a:spcPts val="600"/>
+              </a:spcBef>
+              <a:buClr>
+                <a:schemeClr val="accent1"/>
+              </a:buClr>
+              <a:buSzPct val="100000"/>
+              <a:buFont typeface="Arial" pitchFamily="34" charset="0"/>
+              <a:buChar char="•"/>
+              <a:defRPr sz="1600" kern="1200">
+                <a:solidFill>
+                  <a:schemeClr val="tx1"/>
+                </a:solidFill>
+                <a:latin typeface="+mn-lt"/>
+                <a:ea typeface="+mn-ea"/>
+                <a:cs typeface="+mn-cs"/>
+              </a:defRPr>
+            </a:lvl4pPr>
+            <a:lvl5pPr marL="1030288" indent="-173038" algn="l" defTabSz="914400" rtl="0" eaLnBrk="1" latinLnBrk="0" hangingPunct="1">
+              <a:lnSpc>
+                <a:spcPct val="90000"/>
+              </a:lnSpc>
+              <a:spcBef>
+                <a:spcPts val="600"/>
+              </a:spcBef>
+              <a:buClr>
+                <a:schemeClr val="accent1"/>
+              </a:buClr>
+              <a:buSzPct val="100000"/>
+              <a:buFont typeface="Arial" pitchFamily="34" charset="0"/>
+              <a:buChar char="•"/>
+              <a:defRPr sz="1600" kern="1200">
+                <a:solidFill>
+                  <a:schemeClr val="tx1"/>
+                </a:solidFill>
+                <a:latin typeface="+mn-lt"/>
+                <a:ea typeface="+mn-ea"/>
+                <a:cs typeface="+mn-cs"/>
+              </a:defRPr>
+            </a:lvl5pPr>
+            <a:lvl6pPr marL="1207008" indent="-173736" algn="l" defTabSz="914400" rtl="0" eaLnBrk="1" latinLnBrk="0" hangingPunct="1">
+              <a:spcBef>
+                <a:spcPts val="600"/>
+              </a:spcBef>
+              <a:buClr>
+                <a:schemeClr val="accent1"/>
+              </a:buClr>
+              <a:buFont typeface="Arial" pitchFamily="34" charset="0"/>
+              <a:buChar char="•"/>
+              <a:defRPr sz="1600" kern="1200">
+                <a:solidFill>
+                  <a:schemeClr val="tx1"/>
+                </a:solidFill>
+                <a:latin typeface="+mn-lt"/>
+                <a:ea typeface="+mn-ea"/>
+                <a:cs typeface="+mn-cs"/>
+              </a:defRPr>
+            </a:lvl6pPr>
+            <a:lvl7pPr marL="1380744" indent="-173736" algn="l" defTabSz="914400" rtl="0" eaLnBrk="1" latinLnBrk="0" hangingPunct="1">
+              <a:spcBef>
+                <a:spcPts val="600"/>
+              </a:spcBef>
+              <a:buClr>
+                <a:schemeClr val="accent1"/>
+              </a:buClr>
+              <a:buFont typeface="Arial" pitchFamily="34" charset="0"/>
+              <a:buChar char="•"/>
+              <a:defRPr sz="1600" kern="1200">
+                <a:solidFill>
+                  <a:schemeClr val="tx1"/>
+                </a:solidFill>
+                <a:latin typeface="+mn-lt"/>
+                <a:ea typeface="+mn-ea"/>
+                <a:cs typeface="+mn-cs"/>
+              </a:defRPr>
+            </a:lvl7pPr>
+            <a:lvl8pPr marL="1554480" indent="-173736" algn="l" defTabSz="914400" rtl="0" eaLnBrk="1" latinLnBrk="0" hangingPunct="1">
+              <a:spcBef>
+                <a:spcPts val="600"/>
+              </a:spcBef>
+              <a:buClr>
+                <a:schemeClr val="accent1"/>
+              </a:buClr>
+              <a:buFont typeface="Arial" pitchFamily="34" charset="0"/>
+              <a:buChar char="•"/>
+              <a:defRPr sz="1600" kern="1200">
+                <a:solidFill>
+                  <a:schemeClr val="tx1"/>
+                </a:solidFill>
+                <a:latin typeface="+mn-lt"/>
+                <a:ea typeface="+mn-ea"/>
+                <a:cs typeface="+mn-cs"/>
+              </a:defRPr>
+            </a:lvl8pPr>
+            <a:lvl9pPr marL="1728216" indent="-173736" algn="l" defTabSz="914400" rtl="0" eaLnBrk="1" latinLnBrk="0" hangingPunct="1">
+              <a:spcBef>
+                <a:spcPts val="600"/>
+              </a:spcBef>
+              <a:buClr>
+                <a:schemeClr val="accent1"/>
+              </a:buClr>
+              <a:buFont typeface="Arial" pitchFamily="34" charset="0"/>
+              <a:buChar char="•"/>
+              <a:defRPr sz="1600" kern="1200">
+                <a:solidFill>
+                  <a:schemeClr val="tx1"/>
+                </a:solidFill>
+                <a:latin typeface="+mn-lt"/>
+                <a:ea typeface="+mn-ea"/>
+                <a:cs typeface="+mn-cs"/>
+              </a:defRPr>
+            </a:lvl9pPr>
+          </a:lstStyle>
+          <a:p>
+            <a:r>
+              <a:rPr lang="pt-BR" dirty="0"/>
+              <a:t>Java</a:t>
+            </a:r>
+          </a:p>
+          <a:p>
+            <a:endParaRPr lang="pt-BR" dirty="0"/>
+          </a:p>
+        </p:txBody>
+      </p:sp>
+      <p:pic>
+        <p:nvPicPr>
+          <p:cNvPr id="16" name="Imagem 15">
+            <a:extLst>
+              <a:ext uri="{FF2B5EF4-FFF2-40B4-BE49-F238E27FC236}">
+                <a16:creationId xmlns:a16="http://schemas.microsoft.com/office/drawing/2014/main" id="{E74F0BD8-8735-43B1-92F9-9CECDC20D790}"/>
+              </a:ext>
+            </a:extLst>
+          </p:cNvPr>
+          <p:cNvPicPr>
+            <a:picLocks noChangeAspect="1"/>
+          </p:cNvPicPr>
+          <p:nvPr/>
+        </p:nvPicPr>
+        <p:blipFill>
+          <a:blip r:embed="rId6" cstate="print">
+            <a:extLst>
+              <a:ext uri="{28A0092B-C50C-407E-A947-70E740481C1C}">
+                <a14:useLocalDpi xmlns:a14="http://schemas.microsoft.com/office/drawing/2010/main" val="0"/>
+              </a:ext>
+            </a:extLst>
+          </a:blip>
+          <a:stretch>
+            <a:fillRect/>
+          </a:stretch>
+        </p:blipFill>
+        <p:spPr>
+          <a:xfrm>
+            <a:off x="2898246" y="1996524"/>
+            <a:ext cx="487671" cy="487671"/>
+          </a:xfrm>
+          <a:prstGeom prst="rect">
+            <a:avLst/>
+          </a:prstGeom>
+        </p:spPr>
+      </p:pic>
+      <p:pic>
+        <p:nvPicPr>
+          <p:cNvPr id="18" name="Imagem 17" descr="Uma imagem contendo clip-art&#10;&#10;Descrição gerada com alta confiança">
+            <a:extLst>
+              <a:ext uri="{FF2B5EF4-FFF2-40B4-BE49-F238E27FC236}">
+                <a16:creationId xmlns:a16="http://schemas.microsoft.com/office/drawing/2014/main" id="{DF35F0D5-BA12-41D6-8A1D-6A9C9EB18B8F}"/>
+              </a:ext>
+            </a:extLst>
+          </p:cNvPr>
+          <p:cNvPicPr>
+            <a:picLocks noChangeAspect="1"/>
+          </p:cNvPicPr>
+          <p:nvPr/>
+        </p:nvPicPr>
+        <p:blipFill>
+          <a:blip r:embed="rId7" cstate="print">
+            <a:extLst>
+              <a:ext uri="{28A0092B-C50C-407E-A947-70E740481C1C}">
+                <a14:useLocalDpi xmlns:a14="http://schemas.microsoft.com/office/drawing/2010/main" val="0"/>
+              </a:ext>
+            </a:extLst>
+          </a:blip>
+          <a:stretch>
+            <a:fillRect/>
+          </a:stretch>
+        </p:blipFill>
+        <p:spPr>
+          <a:xfrm>
+            <a:off x="1053852" y="4364051"/>
+            <a:ext cx="505144" cy="506836"/>
+          </a:xfrm>
+          <a:prstGeom prst="rect">
+            <a:avLst/>
+          </a:prstGeom>
+        </p:spPr>
+      </p:pic>
+      <p:pic>
+        <p:nvPicPr>
+          <p:cNvPr id="20" name="Imagem 19" descr="Uma imagem contendo gráficos vetoriais&#10;&#10;Descrição gerada com alta confiança">
+            <a:extLst>
+              <a:ext uri="{FF2B5EF4-FFF2-40B4-BE49-F238E27FC236}">
+                <a16:creationId xmlns:a16="http://schemas.microsoft.com/office/drawing/2014/main" id="{384190B5-6981-4E57-92B7-0BE2D6562D17}"/>
+              </a:ext>
+            </a:extLst>
+          </p:cNvPr>
+          <p:cNvPicPr>
+            <a:picLocks noChangeAspect="1"/>
+          </p:cNvPicPr>
+          <p:nvPr/>
+        </p:nvPicPr>
+        <p:blipFill>
+          <a:blip r:embed="rId8" cstate="print">
+            <a:extLst>
+              <a:ext uri="{28A0092B-C50C-407E-A947-70E740481C1C}">
+                <a14:useLocalDpi xmlns:a14="http://schemas.microsoft.com/office/drawing/2010/main" val="0"/>
+              </a:ext>
+            </a:extLst>
+          </a:blip>
+          <a:stretch>
+            <a:fillRect/>
+          </a:stretch>
+        </p:blipFill>
+        <p:spPr>
+          <a:xfrm>
+            <a:off x="1053852" y="4916548"/>
+            <a:ext cx="484955" cy="484955"/>
+          </a:xfrm>
+          <a:prstGeom prst="rect">
+            <a:avLst/>
+          </a:prstGeom>
+        </p:spPr>
+      </p:pic>
+      <p:pic>
+        <p:nvPicPr>
+          <p:cNvPr id="32" name="Imagem 31" descr="Uma imagem contendo gráficos vetoriais&#10;&#10;Descrição gerada com alta confiança">
+            <a:extLst>
+              <a:ext uri="{FF2B5EF4-FFF2-40B4-BE49-F238E27FC236}">
+                <a16:creationId xmlns:a16="http://schemas.microsoft.com/office/drawing/2014/main" id="{119498DC-585E-4FA8-8072-A1C616BEF043}"/>
+              </a:ext>
+            </a:extLst>
+          </p:cNvPr>
+          <p:cNvPicPr>
+            <a:picLocks noChangeAspect="1"/>
+          </p:cNvPicPr>
+          <p:nvPr/>
+        </p:nvPicPr>
+        <p:blipFill>
+          <a:blip r:embed="rId9" cstate="print">
+            <a:extLst>
+              <a:ext uri="{28A0092B-C50C-407E-A947-70E740481C1C}">
+                <a14:useLocalDpi xmlns:a14="http://schemas.microsoft.com/office/drawing/2010/main" val="0"/>
+              </a:ext>
+            </a:extLst>
+          </a:blip>
+          <a:stretch>
+            <a:fillRect/>
+          </a:stretch>
+        </p:blipFill>
+        <p:spPr>
+          <a:xfrm>
+            <a:off x="6020945" y="2657590"/>
+            <a:ext cx="449454" cy="451460"/>
+          </a:xfrm>
+          <a:prstGeom prst="rect">
+            <a:avLst/>
+          </a:prstGeom>
+        </p:spPr>
+      </p:pic>
+      <p:pic>
+        <p:nvPicPr>
+          <p:cNvPr id="34" name="Imagem 33">
+            <a:extLst>
+              <a:ext uri="{FF2B5EF4-FFF2-40B4-BE49-F238E27FC236}">
+                <a16:creationId xmlns:a16="http://schemas.microsoft.com/office/drawing/2014/main" id="{50DE1195-E11A-464F-B338-4308EBE02050}"/>
+              </a:ext>
+            </a:extLst>
+          </p:cNvPr>
+          <p:cNvPicPr>
+            <a:picLocks noChangeAspect="1"/>
+          </p:cNvPicPr>
+          <p:nvPr/>
+        </p:nvPicPr>
+        <p:blipFill>
+          <a:blip r:embed="rId10" cstate="print">
+            <a:extLst>
+              <a:ext uri="{28A0092B-C50C-407E-A947-70E740481C1C}">
+                <a14:useLocalDpi xmlns:a14="http://schemas.microsoft.com/office/drawing/2010/main" val="0"/>
+              </a:ext>
+            </a:extLst>
+          </a:blip>
+          <a:stretch>
+            <a:fillRect/>
+          </a:stretch>
+        </p:blipFill>
+        <p:spPr>
+          <a:xfrm>
+            <a:off x="5490513" y="3231874"/>
+            <a:ext cx="1027272" cy="597102"/>
+          </a:xfrm>
+          <a:prstGeom prst="rect">
+            <a:avLst/>
+          </a:prstGeom>
+        </p:spPr>
+      </p:pic>
+      <p:pic>
+        <p:nvPicPr>
+          <p:cNvPr id="1026" name="Picture 2" descr="green, Lock, secure, security, Safe, Circle, privacy Icon">
+            <a:extLst>
+              <a:ext uri="{FF2B5EF4-FFF2-40B4-BE49-F238E27FC236}">
+                <a16:creationId xmlns:a16="http://schemas.microsoft.com/office/drawing/2014/main" id="{B4A77BE2-8325-4336-86FC-BCE9944355D8}"/>
+              </a:ext>
+            </a:extLst>
+          </p:cNvPr>
+          <p:cNvPicPr>
+            <a:picLocks noChangeAspect="1" noChangeArrowheads="1"/>
+          </p:cNvPicPr>
+          <p:nvPr/>
+        </p:nvPicPr>
+        <p:blipFill>
+          <a:blip r:embed="rId11" cstate="print">
+            <a:extLst>
+              <a:ext uri="{28A0092B-C50C-407E-A947-70E740481C1C}">
+                <a14:useLocalDpi xmlns:a14="http://schemas.microsoft.com/office/drawing/2010/main" val="0"/>
+              </a:ext>
+            </a:extLst>
+          </a:blip>
+          <a:srcRect/>
+          <a:stretch>
+            <a:fillRect/>
+          </a:stretch>
+        </p:blipFill>
+        <p:spPr bwMode="auto">
+          <a:xfrm>
+            <a:off x="5979944" y="3803015"/>
+            <a:ext cx="520603" cy="520603"/>
+          </a:xfrm>
+          <a:prstGeom prst="rect">
+            <a:avLst/>
+          </a:prstGeom>
+          <a:noFill/>
+          <a:extLst>
+            <a:ext uri="{909E8E84-426E-40DD-AFC4-6F175D3DCCD1}">
+              <a14:hiddenFill xmlns:a14="http://schemas.microsoft.com/office/drawing/2010/main">
+                <a:solidFill>
+                  <a:srgbClr val="FFFFFF"/>
+                </a:solidFill>
+              </a14:hiddenFill>
+            </a:ext>
+          </a:extLst>
+        </p:spPr>
+      </p:pic>
+      <p:pic>
+        <p:nvPicPr>
+          <p:cNvPr id="40" name="Gráfico 39">
+            <a:extLst>
+              <a:ext uri="{FF2B5EF4-FFF2-40B4-BE49-F238E27FC236}">
+                <a16:creationId xmlns:a16="http://schemas.microsoft.com/office/drawing/2014/main" id="{BBF4EB20-19CC-4C23-BD40-E64CC8DE48AB}"/>
+              </a:ext>
+            </a:extLst>
+          </p:cNvPr>
+          <p:cNvPicPr>
+            <a:picLocks noChangeAspect="1"/>
+          </p:cNvPicPr>
+          <p:nvPr/>
+        </p:nvPicPr>
+        <p:blipFill>
+          <a:blip r:embed="rId12" cstate="print">
+            <a:extLst>
+              <a:ext uri="{28A0092B-C50C-407E-A947-70E740481C1C}">
+                <a14:useLocalDpi xmlns:a14="http://schemas.microsoft.com/office/drawing/2010/main" val="0"/>
+              </a:ext>
+              <a:ext uri="{96DAC541-7B7A-43D3-8B79-37D633B846F1}">
+                <asvg:svgBlip xmlns:asvg="http://schemas.microsoft.com/office/drawing/2016/SVG/main" r:embed="rId13"/>
+              </a:ext>
+            </a:extLst>
+          </a:blip>
+          <a:stretch>
+            <a:fillRect/>
+          </a:stretch>
+        </p:blipFill>
+        <p:spPr>
+          <a:xfrm>
+            <a:off x="6035705" y="4364051"/>
+            <a:ext cx="464861" cy="484836"/>
+          </a:xfrm>
+          <a:prstGeom prst="rect">
+            <a:avLst/>
+          </a:prstGeom>
+        </p:spPr>
+      </p:pic>
+      <p:pic>
+        <p:nvPicPr>
+          <p:cNvPr id="43" name="Gráfico 42">
+            <a:extLst>
+              <a:ext uri="{FF2B5EF4-FFF2-40B4-BE49-F238E27FC236}">
+                <a16:creationId xmlns:a16="http://schemas.microsoft.com/office/drawing/2014/main" id="{A5941BF3-6786-433D-B82C-1B55228E6067}"/>
+              </a:ext>
+            </a:extLst>
+          </p:cNvPr>
+          <p:cNvPicPr>
+            <a:picLocks noChangeAspect="1"/>
+          </p:cNvPicPr>
+          <p:nvPr/>
+        </p:nvPicPr>
+        <p:blipFill>
+          <a:blip r:embed="rId14" cstate="print">
+            <a:extLst>
+              <a:ext uri="{28A0092B-C50C-407E-A947-70E740481C1C}">
+                <a14:useLocalDpi xmlns:a14="http://schemas.microsoft.com/office/drawing/2010/main" val="0"/>
+              </a:ext>
+              <a:ext uri="{96DAC541-7B7A-43D3-8B79-37D633B846F1}">
+                <asvg:svgBlip xmlns:asvg="http://schemas.microsoft.com/office/drawing/2016/SVG/main" r:embed="rId15"/>
+              </a:ext>
+            </a:extLst>
+          </a:blip>
+          <a:stretch>
+            <a:fillRect/>
+          </a:stretch>
+        </p:blipFill>
+        <p:spPr>
+          <a:xfrm>
+            <a:off x="5978192" y="4855653"/>
+            <a:ext cx="669691" cy="597102"/>
+          </a:xfrm>
+          <a:prstGeom prst="rect">
+            <a:avLst/>
+          </a:prstGeom>
+        </p:spPr>
+      </p:pic>
+      <p:sp>
+        <p:nvSpPr>
+          <p:cNvPr id="45" name="CaixaDeTexto 44">
+            <a:extLst>
+              <a:ext uri="{FF2B5EF4-FFF2-40B4-BE49-F238E27FC236}">
+                <a16:creationId xmlns:a16="http://schemas.microsoft.com/office/drawing/2014/main" id="{39E6BB75-B93D-4D56-BDE8-5C4E1AFE4701}"/>
+              </a:ext>
+            </a:extLst>
+          </p:cNvPr>
+          <p:cNvSpPr txBox="1"/>
+          <p:nvPr/>
+        </p:nvSpPr>
+        <p:spPr>
+          <a:xfrm>
+            <a:off x="1607882" y="3130315"/>
+            <a:ext cx="1312795" cy="800219"/>
+          </a:xfrm>
+          <a:prstGeom prst="rect">
+            <a:avLst/>
+          </a:prstGeom>
+          <a:noFill/>
+        </p:spPr>
+        <p:txBody>
+          <a:bodyPr wrap="square" rtlCol="0">
+            <a:spAutoFit/>
+          </a:bodyPr>
+          <a:lstStyle/>
+          <a:p>
+            <a:r>
+              <a:rPr lang="pt-BR" sz="2400" dirty="0"/>
+              <a:t>HTML</a:t>
+            </a:r>
+            <a:r>
+              <a:rPr lang="pt-BR" sz="2800" dirty="0"/>
+              <a:t> 5</a:t>
+            </a:r>
+          </a:p>
+          <a:p>
+            <a:endParaRPr lang="pt-BR" dirty="0"/>
+          </a:p>
+        </p:txBody>
+      </p:sp>
+      <p:sp>
+        <p:nvSpPr>
+          <p:cNvPr id="47" name="CaixaDeTexto 46">
+            <a:extLst>
+              <a:ext uri="{FF2B5EF4-FFF2-40B4-BE49-F238E27FC236}">
+                <a16:creationId xmlns:a16="http://schemas.microsoft.com/office/drawing/2014/main" id="{4832B389-390B-4AB7-95BE-A7B9263D29BC}"/>
+              </a:ext>
+            </a:extLst>
+          </p:cNvPr>
+          <p:cNvSpPr txBox="1"/>
+          <p:nvPr/>
+        </p:nvSpPr>
+        <p:spPr>
+          <a:xfrm>
+            <a:off x="1596114" y="3788106"/>
+            <a:ext cx="1998259" cy="738664"/>
+          </a:xfrm>
+          <a:prstGeom prst="rect">
+            <a:avLst/>
+          </a:prstGeom>
+          <a:noFill/>
+        </p:spPr>
+        <p:txBody>
+          <a:bodyPr wrap="square" rtlCol="0">
+            <a:spAutoFit/>
+          </a:bodyPr>
+          <a:lstStyle/>
+          <a:p>
+            <a:pPr lvl="0"/>
+            <a:r>
+              <a:rPr lang="pt-BR" sz="2400" dirty="0" err="1"/>
+              <a:t>JavaScript</a:t>
+            </a:r>
+            <a:endParaRPr lang="pt-BR" sz="2400" dirty="0"/>
+          </a:p>
+          <a:p>
+            <a:endParaRPr lang="pt-BR" dirty="0"/>
+          </a:p>
+        </p:txBody>
+      </p:sp>
+      <p:sp>
+        <p:nvSpPr>
+          <p:cNvPr id="48" name="CaixaDeTexto 47">
+            <a:extLst>
+              <a:ext uri="{FF2B5EF4-FFF2-40B4-BE49-F238E27FC236}">
+                <a16:creationId xmlns:a16="http://schemas.microsoft.com/office/drawing/2014/main" id="{1B8E4E3B-7645-4AD2-A34F-AD9CCD6A1854}"/>
+              </a:ext>
+            </a:extLst>
+          </p:cNvPr>
+          <p:cNvSpPr txBox="1"/>
+          <p:nvPr/>
+        </p:nvSpPr>
+        <p:spPr>
+          <a:xfrm>
+            <a:off x="1570903" y="4388461"/>
+            <a:ext cx="1998259" cy="461665"/>
+          </a:xfrm>
+          <a:prstGeom prst="rect">
+            <a:avLst/>
+          </a:prstGeom>
+          <a:noFill/>
+        </p:spPr>
+        <p:txBody>
+          <a:bodyPr wrap="square" rtlCol="0">
+            <a:spAutoFit/>
+          </a:bodyPr>
+          <a:lstStyle/>
+          <a:p>
+            <a:r>
+              <a:rPr lang="pt-BR" sz="2400" dirty="0" err="1"/>
+              <a:t>Bootstrap</a:t>
+            </a:r>
+            <a:endParaRPr lang="pt-BR" sz="2400" dirty="0"/>
+          </a:p>
+        </p:txBody>
+      </p:sp>
+      <p:sp>
+        <p:nvSpPr>
+          <p:cNvPr id="49" name="CaixaDeTexto 48">
+            <a:extLst>
+              <a:ext uri="{FF2B5EF4-FFF2-40B4-BE49-F238E27FC236}">
+                <a16:creationId xmlns:a16="http://schemas.microsoft.com/office/drawing/2014/main" id="{60F552E4-DC68-48BA-AEB0-D1CCD8326BE2}"/>
+              </a:ext>
+            </a:extLst>
+          </p:cNvPr>
+          <p:cNvSpPr txBox="1"/>
+          <p:nvPr/>
+        </p:nvSpPr>
+        <p:spPr>
+          <a:xfrm>
+            <a:off x="1614286" y="5422717"/>
+            <a:ext cx="1998259" cy="738664"/>
+          </a:xfrm>
+          <a:prstGeom prst="rect">
+            <a:avLst/>
+          </a:prstGeom>
+          <a:noFill/>
+        </p:spPr>
+        <p:txBody>
+          <a:bodyPr wrap="square" rtlCol="0">
+            <a:spAutoFit/>
+          </a:bodyPr>
+          <a:lstStyle/>
+          <a:p>
+            <a:r>
+              <a:rPr lang="pt-BR" sz="2400" dirty="0" err="1"/>
+              <a:t>WebJars</a:t>
+            </a:r>
+            <a:endParaRPr lang="pt-BR" sz="2400" dirty="0"/>
+          </a:p>
+          <a:p>
+            <a:endParaRPr lang="pt-BR" dirty="0"/>
+          </a:p>
+        </p:txBody>
+      </p:sp>
+      <p:sp>
+        <p:nvSpPr>
+          <p:cNvPr id="50" name="CaixaDeTexto 49">
+            <a:extLst>
+              <a:ext uri="{FF2B5EF4-FFF2-40B4-BE49-F238E27FC236}">
+                <a16:creationId xmlns:a16="http://schemas.microsoft.com/office/drawing/2014/main" id="{701EB6B5-8593-4232-A73C-5A600BC2B5D1}"/>
+              </a:ext>
+            </a:extLst>
+          </p:cNvPr>
+          <p:cNvSpPr txBox="1"/>
+          <p:nvPr/>
+        </p:nvSpPr>
+        <p:spPr>
+          <a:xfrm>
+            <a:off x="1602170" y="4914738"/>
+            <a:ext cx="1998259" cy="738664"/>
+          </a:xfrm>
+          <a:prstGeom prst="rect">
+            <a:avLst/>
+          </a:prstGeom>
+          <a:noFill/>
+        </p:spPr>
+        <p:txBody>
+          <a:bodyPr wrap="square" rtlCol="0">
+            <a:spAutoFit/>
+          </a:bodyPr>
+          <a:lstStyle/>
+          <a:p>
+            <a:pPr lvl="0"/>
+            <a:r>
+              <a:rPr lang="pt-BR" sz="2400" dirty="0" err="1"/>
+              <a:t>Thymeleaf</a:t>
+            </a:r>
+            <a:endParaRPr lang="pt-BR" sz="2400" dirty="0"/>
+          </a:p>
+          <a:p>
+            <a:endParaRPr lang="pt-BR" dirty="0"/>
+          </a:p>
+        </p:txBody>
+      </p:sp>
+      <p:sp>
+        <p:nvSpPr>
+          <p:cNvPr id="51" name="CaixaDeTexto 50">
+            <a:extLst>
+              <a:ext uri="{FF2B5EF4-FFF2-40B4-BE49-F238E27FC236}">
+                <a16:creationId xmlns:a16="http://schemas.microsoft.com/office/drawing/2014/main" id="{46E7E6B3-CBBD-4E35-A97E-9A1A0CD73F52}"/>
+              </a:ext>
+            </a:extLst>
+          </p:cNvPr>
+          <p:cNvSpPr txBox="1"/>
+          <p:nvPr/>
+        </p:nvSpPr>
+        <p:spPr>
+          <a:xfrm>
+            <a:off x="1612628" y="5930695"/>
+            <a:ext cx="1998259" cy="738664"/>
+          </a:xfrm>
+          <a:prstGeom prst="rect">
+            <a:avLst/>
+          </a:prstGeom>
+          <a:noFill/>
+        </p:spPr>
+        <p:txBody>
+          <a:bodyPr wrap="square" rtlCol="0">
+            <a:spAutoFit/>
+          </a:bodyPr>
+          <a:lstStyle/>
+          <a:p>
+            <a:r>
+              <a:rPr lang="pt-BR" sz="2400" dirty="0" err="1"/>
+              <a:t>DataTables</a:t>
+            </a:r>
+            <a:endParaRPr lang="pt-BR" sz="2400" dirty="0"/>
+          </a:p>
+          <a:p>
+            <a:endParaRPr lang="pt-BR" dirty="0"/>
+          </a:p>
+        </p:txBody>
+      </p:sp>
+      <p:sp>
+        <p:nvSpPr>
+          <p:cNvPr id="54" name="CaixaDeTexto 53">
+            <a:extLst>
+              <a:ext uri="{FF2B5EF4-FFF2-40B4-BE49-F238E27FC236}">
+                <a16:creationId xmlns:a16="http://schemas.microsoft.com/office/drawing/2014/main" id="{A3321887-E8B1-4AC1-9E6C-BC52C93AC605}"/>
+              </a:ext>
+            </a:extLst>
+          </p:cNvPr>
+          <p:cNvSpPr txBox="1"/>
+          <p:nvPr/>
+        </p:nvSpPr>
+        <p:spPr>
+          <a:xfrm>
+            <a:off x="6690636" y="2649278"/>
+            <a:ext cx="1698094" cy="461665"/>
+          </a:xfrm>
+          <a:prstGeom prst="rect">
+            <a:avLst/>
+          </a:prstGeom>
+          <a:noFill/>
+        </p:spPr>
+        <p:txBody>
+          <a:bodyPr wrap="none" rtlCol="0">
+            <a:spAutoFit/>
+          </a:bodyPr>
+          <a:lstStyle/>
+          <a:p>
+            <a:r>
+              <a:rPr lang="pt-BR" sz="2400" dirty="0"/>
+              <a:t>Spring MVC</a:t>
+            </a:r>
+          </a:p>
+        </p:txBody>
+      </p:sp>
+      <p:sp>
+        <p:nvSpPr>
+          <p:cNvPr id="56" name="CaixaDeTexto 55">
+            <a:extLst>
+              <a:ext uri="{FF2B5EF4-FFF2-40B4-BE49-F238E27FC236}">
+                <a16:creationId xmlns:a16="http://schemas.microsoft.com/office/drawing/2014/main" id="{9C506440-C68C-4E72-ACC4-980713A0747A}"/>
+              </a:ext>
+            </a:extLst>
+          </p:cNvPr>
+          <p:cNvSpPr txBox="1"/>
+          <p:nvPr/>
+        </p:nvSpPr>
+        <p:spPr>
+          <a:xfrm>
+            <a:off x="6690636" y="3180283"/>
+            <a:ext cx="1694695" cy="461665"/>
+          </a:xfrm>
+          <a:prstGeom prst="rect">
+            <a:avLst/>
+          </a:prstGeom>
+          <a:noFill/>
+        </p:spPr>
+        <p:txBody>
+          <a:bodyPr wrap="none" rtlCol="0">
+            <a:spAutoFit/>
+          </a:bodyPr>
+          <a:lstStyle/>
+          <a:p>
+            <a:pPr lvl="0"/>
+            <a:r>
+              <a:rPr lang="pt-BR" sz="2400" dirty="0"/>
+              <a:t>Spring Data</a:t>
+            </a:r>
+          </a:p>
+        </p:txBody>
+      </p:sp>
+      <p:sp>
+        <p:nvSpPr>
+          <p:cNvPr id="57" name="CaixaDeTexto 56">
+            <a:extLst>
+              <a:ext uri="{FF2B5EF4-FFF2-40B4-BE49-F238E27FC236}">
+                <a16:creationId xmlns:a16="http://schemas.microsoft.com/office/drawing/2014/main" id="{66AC17F7-BD8E-4DAC-A0CC-9059C082810B}"/>
+              </a:ext>
+            </a:extLst>
+          </p:cNvPr>
+          <p:cNvSpPr txBox="1"/>
+          <p:nvPr/>
+        </p:nvSpPr>
+        <p:spPr>
+          <a:xfrm>
+            <a:off x="6690636" y="3803387"/>
+            <a:ext cx="2118400" cy="461665"/>
+          </a:xfrm>
+          <a:prstGeom prst="rect">
+            <a:avLst/>
+          </a:prstGeom>
+          <a:noFill/>
+        </p:spPr>
+        <p:txBody>
+          <a:bodyPr wrap="none" rtlCol="0">
+            <a:spAutoFit/>
+          </a:bodyPr>
+          <a:lstStyle/>
+          <a:p>
+            <a:pPr lvl="0"/>
+            <a:r>
+              <a:rPr lang="pt-BR" sz="2400" dirty="0"/>
+              <a:t>Spring Security</a:t>
+            </a:r>
+          </a:p>
+        </p:txBody>
+      </p:sp>
+      <p:sp>
+        <p:nvSpPr>
+          <p:cNvPr id="58" name="CaixaDeTexto 57">
+            <a:extLst>
+              <a:ext uri="{FF2B5EF4-FFF2-40B4-BE49-F238E27FC236}">
+                <a16:creationId xmlns:a16="http://schemas.microsoft.com/office/drawing/2014/main" id="{AC019868-EB93-40ED-A89C-8B265E8D8167}"/>
+              </a:ext>
+            </a:extLst>
+          </p:cNvPr>
+          <p:cNvSpPr txBox="1"/>
+          <p:nvPr/>
+        </p:nvSpPr>
+        <p:spPr>
+          <a:xfrm>
+            <a:off x="6690636" y="4373309"/>
+            <a:ext cx="1457450" cy="461665"/>
+          </a:xfrm>
+          <a:prstGeom prst="rect">
+            <a:avLst/>
+          </a:prstGeom>
+          <a:noFill/>
+        </p:spPr>
+        <p:txBody>
+          <a:bodyPr wrap="none" rtlCol="0">
+            <a:spAutoFit/>
+          </a:bodyPr>
+          <a:lstStyle/>
+          <a:p>
+            <a:r>
+              <a:rPr lang="pt-BR" sz="2400" dirty="0" err="1"/>
+              <a:t>Hibernate</a:t>
+            </a:r>
+            <a:endParaRPr lang="pt-BR" sz="2400" dirty="0"/>
+          </a:p>
+        </p:txBody>
+      </p:sp>
+      <p:sp>
+        <p:nvSpPr>
+          <p:cNvPr id="59" name="CaixaDeTexto 58">
+            <a:extLst>
+              <a:ext uri="{FF2B5EF4-FFF2-40B4-BE49-F238E27FC236}">
+                <a16:creationId xmlns:a16="http://schemas.microsoft.com/office/drawing/2014/main" id="{99D433DA-2F70-49D1-AE5E-0E0C71225564}"/>
+              </a:ext>
+            </a:extLst>
+          </p:cNvPr>
+          <p:cNvSpPr txBox="1"/>
+          <p:nvPr/>
+        </p:nvSpPr>
+        <p:spPr>
+          <a:xfrm>
+            <a:off x="6690636" y="5925461"/>
+            <a:ext cx="1257011" cy="461665"/>
+          </a:xfrm>
+          <a:prstGeom prst="rect">
+            <a:avLst/>
+          </a:prstGeom>
+          <a:noFill/>
+        </p:spPr>
+        <p:txBody>
+          <a:bodyPr wrap="none" rtlCol="0">
+            <a:spAutoFit/>
+          </a:bodyPr>
+          <a:lstStyle/>
+          <a:p>
+            <a:pPr lvl="0"/>
+            <a:r>
+              <a:rPr lang="pt-BR" sz="2400" dirty="0" err="1"/>
+              <a:t>WebJars</a:t>
+            </a:r>
+            <a:endParaRPr lang="pt-BR" sz="2400" dirty="0"/>
+          </a:p>
+        </p:txBody>
+      </p:sp>
+      <p:sp>
+        <p:nvSpPr>
+          <p:cNvPr id="60" name="CaixaDeTexto 59">
+            <a:extLst>
+              <a:ext uri="{FF2B5EF4-FFF2-40B4-BE49-F238E27FC236}">
+                <a16:creationId xmlns:a16="http://schemas.microsoft.com/office/drawing/2014/main" id="{535888A0-0682-4317-8336-34F79DF181E4}"/>
+              </a:ext>
+            </a:extLst>
+          </p:cNvPr>
+          <p:cNvSpPr txBox="1"/>
+          <p:nvPr/>
+        </p:nvSpPr>
+        <p:spPr>
+          <a:xfrm>
+            <a:off x="6676354" y="5450244"/>
+            <a:ext cx="2309030" cy="461665"/>
+          </a:xfrm>
+          <a:prstGeom prst="rect">
+            <a:avLst/>
+          </a:prstGeom>
+          <a:noFill/>
+        </p:spPr>
+        <p:txBody>
+          <a:bodyPr wrap="none" rtlCol="0">
+            <a:spAutoFit/>
+          </a:bodyPr>
+          <a:lstStyle/>
+          <a:p>
+            <a:pPr lvl="0"/>
+            <a:r>
+              <a:rPr lang="pt-BR" sz="2400" dirty="0" err="1"/>
+              <a:t>Resource</a:t>
+            </a:r>
+            <a:r>
+              <a:rPr lang="pt-BR" sz="2400" dirty="0"/>
+              <a:t> </a:t>
+            </a:r>
+            <a:r>
+              <a:rPr lang="pt-BR" sz="2400" dirty="0" err="1"/>
+              <a:t>Bundle</a:t>
+            </a:r>
+            <a:endParaRPr lang="pt-BR" sz="2400" dirty="0"/>
+          </a:p>
+        </p:txBody>
+      </p:sp>
+      <p:sp>
+        <p:nvSpPr>
+          <p:cNvPr id="61" name="CaixaDeTexto 60">
+            <a:extLst>
+              <a:ext uri="{FF2B5EF4-FFF2-40B4-BE49-F238E27FC236}">
+                <a16:creationId xmlns:a16="http://schemas.microsoft.com/office/drawing/2014/main" id="{F1D1C88F-4CF9-4905-A725-CEE408143D97}"/>
+              </a:ext>
+            </a:extLst>
+          </p:cNvPr>
+          <p:cNvSpPr txBox="1"/>
+          <p:nvPr/>
+        </p:nvSpPr>
+        <p:spPr>
+          <a:xfrm>
+            <a:off x="6679150" y="4943231"/>
+            <a:ext cx="2177006" cy="461665"/>
+          </a:xfrm>
+          <a:prstGeom prst="rect">
+            <a:avLst/>
+          </a:prstGeom>
+          <a:noFill/>
+        </p:spPr>
+        <p:txBody>
+          <a:bodyPr wrap="none" rtlCol="0">
+            <a:spAutoFit/>
+          </a:bodyPr>
+          <a:lstStyle/>
+          <a:p>
+            <a:r>
+              <a:rPr lang="pt-BR" sz="2400" dirty="0" err="1"/>
+              <a:t>Bean</a:t>
+            </a:r>
+            <a:r>
+              <a:rPr lang="pt-BR" sz="2400" dirty="0"/>
+              <a:t> </a:t>
+            </a:r>
+            <a:r>
+              <a:rPr lang="pt-BR" sz="2400" dirty="0" err="1"/>
+              <a:t>Validation</a:t>
+            </a:r>
+            <a:endParaRPr lang="pt-BR" sz="2400" dirty="0"/>
+          </a:p>
+        </p:txBody>
+      </p:sp>
+      <p:pic>
+        <p:nvPicPr>
+          <p:cNvPr id="62" name="Picture 7" descr="D:\projetos\ApontaHidrometro\Coletrometro\src\main\resources\statics\logo1.png">
+            <a:extLst>
+              <a:ext uri="{FF2B5EF4-FFF2-40B4-BE49-F238E27FC236}">
+                <a16:creationId xmlns:a16="http://schemas.microsoft.com/office/drawing/2014/main" id="{D1BA0D2F-464C-4E42-88D6-22F7D6CF6D75}"/>
+              </a:ext>
+            </a:extLst>
+          </p:cNvPr>
+          <p:cNvPicPr>
+            <a:picLocks noChangeAspect="1" noChangeArrowheads="1"/>
+          </p:cNvPicPr>
+          <p:nvPr/>
+        </p:nvPicPr>
+        <p:blipFill>
+          <a:blip r:embed="rId16">
+            <a:extLst>
+              <a:ext uri="{28A0092B-C50C-407E-A947-70E740481C1C}">
+                <a14:useLocalDpi xmlns:a14="http://schemas.microsoft.com/office/drawing/2010/main" val="0"/>
+              </a:ext>
+            </a:extLst>
+          </a:blip>
+          <a:srcRect/>
+          <a:stretch>
+            <a:fillRect/>
+          </a:stretch>
+        </p:blipFill>
+        <p:spPr bwMode="auto">
+          <a:xfrm>
+            <a:off x="10126860" y="4797152"/>
+            <a:ext cx="2060848" cy="2060848"/>
+          </a:xfrm>
+          <a:prstGeom prst="rect">
+            <a:avLst/>
+          </a:prstGeom>
+          <a:noFill/>
+          <a:extLst>
+            <a:ext uri="{909E8E84-426E-40DD-AFC4-6F175D3DCCD1}">
+              <a14:hiddenFill xmlns:a14="http://schemas.microsoft.com/office/drawing/2010/main">
+                <a:solidFill>
+                  <a:srgbClr val="FFFFFF"/>
+                </a:solidFill>
+              </a14:hiddenFill>
+            </a:ext>
+          </a:extLst>
+        </p:spPr>
+      </p:pic>
     </p:spTree>
     <p:extLst>
       <p:ext uri="{BB962C8B-B14F-4D97-AF65-F5344CB8AC3E}">
@@ -6483,42 +8889,7 @@
                                           </p:stCondLst>
                                         </p:cTn>
                                         <p:tgtEl>
-                                          <p:spTgt spid="3">
-                                            <p:txEl>
-                                              <p:pRg st="0" end="0"/>
-                                            </p:txEl>
-                                          </p:spTgt>
-                                        </p:tgtEl>
-                                        <p:attrNameLst>
-                                          <p:attrName>style.visibility</p:attrName>
-                                        </p:attrNameLst>
-                                      </p:cBhvr>
-                                      <p:to>
-                                        <p:strVal val="visible"/>
-                                      </p:to>
-                                    </p:set>
-                                  </p:childTnLst>
-                                </p:cTn>
-                              </p:par>
-                              <p:par>
-                                <p:cTn id="7" presetID="1" presetClass="entr" presetSubtype="0" fill="hold" grpId="0" nodeType="withEffect">
-                                  <p:stCondLst>
-                                    <p:cond delay="0"/>
-                                  </p:stCondLst>
-                                  <p:childTnLst>
-                                    <p:set>
-                                      <p:cBhvr>
-                                        <p:cTn id="8" dur="1" fill="hold">
-                                          <p:stCondLst>
-                                            <p:cond delay="0"/>
-                                          </p:stCondLst>
-                                        </p:cTn>
-                                        <p:tgtEl>
-                                          <p:spTgt spid="4">
-                                            <p:txEl>
-                                              <p:pRg st="0" end="0"/>
-                                            </p:txEl>
-                                          </p:spTgt>
+                                          <p:spTgt spid="11"/>
                                         </p:tgtEl>
                                         <p:attrNameLst>
                                           <p:attrName>style.visibility</p:attrName>
@@ -6538,19 +8909,46 @@
                     </p:cTn>
                   </p:par>
                   <p:par>
-                    <p:cTn id="9" fill="hold">
+                    <p:cTn id="7" fill="hold">
                       <p:stCondLst>
                         <p:cond delay="indefinite"/>
                       </p:stCondLst>
                       <p:childTnLst>
                         <p:par>
-                          <p:cTn id="10" fill="hold">
+                          <p:cTn id="8" fill="hold">
                             <p:stCondLst>
                               <p:cond delay="0"/>
                             </p:stCondLst>
                             <p:childTnLst>
                               <p:par>
-                                <p:cTn id="11" presetID="1" presetClass="entr" presetSubtype="0" fill="hold" grpId="0" nodeType="clickEffect">
+                                <p:cTn id="9" presetID="1" presetClass="entr" presetSubtype="0" fill="hold" nodeType="clickEffect">
+                                  <p:stCondLst>
+                                    <p:cond delay="0"/>
+                                  </p:stCondLst>
+                                  <p:childTnLst>
+                                    <p:set>
+                                      <p:cBhvr>
+                                        <p:cTn id="10" dur="1" fill="hold">
+                                          <p:stCondLst>
+                                            <p:cond delay="0"/>
+                                          </p:stCondLst>
+                                        </p:cTn>
+                                        <p:tgtEl>
+                                          <p:spTgt spid="16"/>
+                                        </p:tgtEl>
+                                        <p:attrNameLst>
+                                          <p:attrName>style.visibility</p:attrName>
+                                        </p:attrNameLst>
+                                      </p:cBhvr>
+                                      <p:to>
+                                        <p:strVal val="visible"/>
+                                      </p:to>
+                                    </p:set>
+                                  </p:childTnLst>
+                                </p:cTn>
+                              </p:par>
+                              <p:par>
+                                <p:cTn id="11" presetID="1" presetClass="entr" presetSubtype="0" fill="hold" grpId="0" nodeType="withEffect">
                                   <p:stCondLst>
                                     <p:cond delay="0"/>
                                   </p:stCondLst>
@@ -6563,11 +8961,7 @@
                                           </p:stCondLst>
                                         </p:cTn>
                                         <p:tgtEl>
-                                          <p:spTgt spid="4">
-                                            <p:txEl>
-                                              <p:pRg st="1" end="1"/>
-                                            </p:txEl>
-                                          </p:spTgt>
+                                          <p:spTgt spid="12"/>
                                         </p:tgtEl>
                                         <p:attrNameLst>
                                           <p:attrName>style.visibility</p:attrName>
@@ -6612,9 +9006,9 @@
                                           </p:stCondLst>
                                         </p:cTn>
                                         <p:tgtEl>
-                                          <p:spTgt spid="4">
+                                          <p:spTgt spid="3">
                                             <p:txEl>
-                                              <p:pRg st="2" end="2"/>
+                                              <p:pRg st="0" end="0"/>
                                             </p:txEl>
                                           </p:spTgt>
                                         </p:tgtEl>
@@ -6648,7 +9042,7 @@
                             </p:stCondLst>
                             <p:childTnLst>
                               <p:par>
-                                <p:cTn id="19" presetID="1" presetClass="entr" presetSubtype="0" fill="hold" grpId="0" nodeType="clickEffect">
+                                <p:cTn id="19" presetID="1" presetClass="entr" presetSubtype="0" fill="hold" nodeType="clickEffect">
                                   <p:stCondLst>
                                     <p:cond delay="0"/>
                                   </p:stCondLst>
@@ -6661,11 +9055,34 @@
                                           </p:stCondLst>
                                         </p:cTn>
                                         <p:tgtEl>
-                                          <p:spTgt spid="4">
-                                            <p:txEl>
-                                              <p:pRg st="3" end="3"/>
-                                            </p:txEl>
-                                          </p:spTgt>
+                                          <p:spTgt spid="8"/>
+                                        </p:tgtEl>
+                                        <p:attrNameLst>
+                                          <p:attrName>style.visibility</p:attrName>
+                                        </p:attrNameLst>
+                                      </p:cBhvr>
+                                      <p:to>
+                                        <p:strVal val="visible"/>
+                                      </p:to>
+                                    </p:set>
+                                  </p:childTnLst>
+                                </p:cTn>
+                              </p:par>
+                              <p:par>
+                                <p:cTn id="21" presetID="1" presetClass="entr" presetSubtype="0" fill="hold" grpId="0" nodeType="withEffect">
+                                  <p:stCondLst>
+                                    <p:cond delay="0"/>
+                                  </p:stCondLst>
+                                  <p:childTnLst>
+                                    <p:set>
+                                      <p:cBhvr>
+                                        <p:cTn id="22" dur="1" fill="hold">
+                                          <p:stCondLst>
+                                            <p:cond delay="0"/>
+                                          </p:stCondLst>
+                                        </p:cTn>
+                                        <p:tgtEl>
+                                          <p:spTgt spid="45"/>
                                         </p:tgtEl>
                                         <p:attrNameLst>
                                           <p:attrName>style.visibility</p:attrName>
@@ -6685,36 +9102,32 @@
                     </p:cTn>
                   </p:par>
                   <p:par>
-                    <p:cTn id="21" fill="hold">
+                    <p:cTn id="23" fill="hold">
                       <p:stCondLst>
                         <p:cond delay="indefinite"/>
                       </p:stCondLst>
                       <p:childTnLst>
                         <p:par>
-                          <p:cTn id="22" fill="hold">
+                          <p:cTn id="24" fill="hold">
                             <p:stCondLst>
                               <p:cond delay="0"/>
                             </p:stCondLst>
                             <p:childTnLst>
                               <p:par>
-                                <p:cTn id="23" presetID="1" presetClass="entr" presetSubtype="0" fill="hold" grpId="0" nodeType="clickEffect">
+                                <p:cTn id="25" presetID="1" presetClass="entr" presetSubtype="0" fill="hold" nodeType="clickEffect">
                                   <p:stCondLst>
                                     <p:cond delay="0"/>
                                   </p:stCondLst>
                                   <p:childTnLst>
                                     <p:set>
                                       <p:cBhvr>
-                                        <p:cTn id="24" dur="1" fill="hold">
+                                        <p:cTn id="26" dur="1" fill="hold">
                                           <p:stCondLst>
                                             <p:cond delay="0"/>
                                           </p:stCondLst>
                                         </p:cTn>
                                         <p:tgtEl>
-                                          <p:spTgt spid="4">
-                                            <p:txEl>
-                                              <p:pRg st="4" end="4"/>
-                                            </p:txEl>
-                                          </p:spTgt>
+                                          <p:spTgt spid="10"/>
                                         </p:tgtEl>
                                         <p:attrNameLst>
                                           <p:attrName>style.visibility</p:attrName>
@@ -6727,26 +9140,8 @@
                                   </p:childTnLst>
                                 </p:cTn>
                               </p:par>
-                            </p:childTnLst>
-                          </p:cTn>
-                        </p:par>
-                      </p:childTnLst>
-                    </p:cTn>
-                  </p:par>
-                  <p:par>
-                    <p:cTn id="25" fill="hold">
-                      <p:stCondLst>
-                        <p:cond delay="indefinite"/>
-                      </p:stCondLst>
-                      <p:childTnLst>
-                        <p:par>
-                          <p:cTn id="26" fill="hold">
-                            <p:stCondLst>
-                              <p:cond delay="0"/>
-                            </p:stCondLst>
-                            <p:childTnLst>
                               <p:par>
-                                <p:cTn id="27" presetID="1" presetClass="entr" presetSubtype="0" fill="hold" grpId="0" nodeType="clickEffect">
+                                <p:cTn id="27" presetID="1" presetClass="entr" presetSubtype="0" fill="hold" grpId="0" nodeType="withEffect">
                                   <p:stCondLst>
                                     <p:cond delay="0"/>
                                   </p:stCondLst>
@@ -6759,11 +9154,7 @@
                                           </p:stCondLst>
                                         </p:cTn>
                                         <p:tgtEl>
-                                          <p:spTgt spid="4">
-                                            <p:txEl>
-                                              <p:pRg st="5" end="5"/>
-                                            </p:txEl>
-                                          </p:spTgt>
+                                          <p:spTgt spid="47"/>
                                         </p:tgtEl>
                                         <p:attrNameLst>
                                           <p:attrName>style.visibility</p:attrName>
@@ -6795,7 +9186,7 @@
                             </p:stCondLst>
                             <p:childTnLst>
                               <p:par>
-                                <p:cTn id="31" presetID="1" presetClass="entr" presetSubtype="0" fill="hold" grpId="0" nodeType="clickEffect">
+                                <p:cTn id="31" presetID="1" presetClass="entr" presetSubtype="0" fill="hold" nodeType="clickEffect">
                                   <p:stCondLst>
                                     <p:cond delay="0"/>
                                   </p:stCondLst>
@@ -6808,11 +9199,7 @@
                                           </p:stCondLst>
                                         </p:cTn>
                                         <p:tgtEl>
-                                          <p:spTgt spid="5">
-                                            <p:txEl>
-                                              <p:pRg st="0" end="0"/>
-                                            </p:txEl>
-                                          </p:spTgt>
+                                          <p:spTgt spid="18"/>
                                         </p:tgtEl>
                                         <p:attrNameLst>
                                           <p:attrName>style.visibility</p:attrName>
@@ -6839,11 +9226,7 @@
                                           </p:stCondLst>
                                         </p:cTn>
                                         <p:tgtEl>
-                                          <p:spTgt spid="6">
-                                            <p:txEl>
-                                              <p:pRg st="0" end="0"/>
-                                            </p:txEl>
-                                          </p:spTgt>
+                                          <p:spTgt spid="48"/>
                                         </p:tgtEl>
                                         <p:attrNameLst>
                                           <p:attrName>style.visibility</p:attrName>
@@ -6875,7 +9258,7 @@
                             </p:stCondLst>
                             <p:childTnLst>
                               <p:par>
-                                <p:cTn id="37" presetID="1" presetClass="entr" presetSubtype="0" fill="hold" grpId="0" nodeType="clickEffect">
+                                <p:cTn id="37" presetID="1" presetClass="entr" presetSubtype="0" fill="hold" nodeType="clickEffect">
                                   <p:stCondLst>
                                     <p:cond delay="0"/>
                                   </p:stCondLst>
@@ -6888,9 +9271,171 @@
                                           </p:stCondLst>
                                         </p:cTn>
                                         <p:tgtEl>
-                                          <p:spTgt spid="6">
+                                          <p:spTgt spid="20"/>
+                                        </p:tgtEl>
+                                        <p:attrNameLst>
+                                          <p:attrName>style.visibility</p:attrName>
+                                        </p:attrNameLst>
+                                      </p:cBhvr>
+                                      <p:to>
+                                        <p:strVal val="visible"/>
+                                      </p:to>
+                                    </p:set>
+                                  </p:childTnLst>
+                                </p:cTn>
+                              </p:par>
+                              <p:par>
+                                <p:cTn id="39" presetID="1" presetClass="entr" presetSubtype="0" fill="hold" grpId="0" nodeType="withEffect">
+                                  <p:stCondLst>
+                                    <p:cond delay="0"/>
+                                  </p:stCondLst>
+                                  <p:childTnLst>
+                                    <p:set>
+                                      <p:cBhvr>
+                                        <p:cTn id="40" dur="1" fill="hold">
+                                          <p:stCondLst>
+                                            <p:cond delay="0"/>
+                                          </p:stCondLst>
+                                        </p:cTn>
+                                        <p:tgtEl>
+                                          <p:spTgt spid="50"/>
+                                        </p:tgtEl>
+                                        <p:attrNameLst>
+                                          <p:attrName>style.visibility</p:attrName>
+                                        </p:attrNameLst>
+                                      </p:cBhvr>
+                                      <p:to>
+                                        <p:strVal val="visible"/>
+                                      </p:to>
+                                    </p:set>
+                                  </p:childTnLst>
+                                </p:cTn>
+                              </p:par>
+                            </p:childTnLst>
+                          </p:cTn>
+                        </p:par>
+                      </p:childTnLst>
+                    </p:cTn>
+                  </p:par>
+                  <p:par>
+                    <p:cTn id="41" fill="hold">
+                      <p:stCondLst>
+                        <p:cond delay="indefinite"/>
+                      </p:stCondLst>
+                      <p:childTnLst>
+                        <p:par>
+                          <p:cTn id="42" fill="hold">
+                            <p:stCondLst>
+                              <p:cond delay="0"/>
+                            </p:stCondLst>
+                            <p:childTnLst>
+                              <p:par>
+                                <p:cTn id="43" presetID="1" presetClass="entr" presetSubtype="0" fill="hold" grpId="0" nodeType="clickEffect">
+                                  <p:stCondLst>
+                                    <p:cond delay="0"/>
+                                  </p:stCondLst>
+                                  <p:childTnLst>
+                                    <p:set>
+                                      <p:cBhvr>
+                                        <p:cTn id="44" dur="1" fill="hold">
+                                          <p:stCondLst>
+                                            <p:cond delay="0"/>
+                                          </p:stCondLst>
+                                        </p:cTn>
+                                        <p:tgtEl>
+                                          <p:spTgt spid="49"/>
+                                        </p:tgtEl>
+                                        <p:attrNameLst>
+                                          <p:attrName>style.visibility</p:attrName>
+                                        </p:attrNameLst>
+                                      </p:cBhvr>
+                                      <p:to>
+                                        <p:strVal val="visible"/>
+                                      </p:to>
+                                    </p:set>
+                                  </p:childTnLst>
+                                </p:cTn>
+                              </p:par>
+                            </p:childTnLst>
+                          </p:cTn>
+                        </p:par>
+                      </p:childTnLst>
+                    </p:cTn>
+                  </p:par>
+                  <p:par>
+                    <p:cTn id="45" fill="hold">
+                      <p:stCondLst>
+                        <p:cond delay="indefinite"/>
+                      </p:stCondLst>
+                      <p:childTnLst>
+                        <p:par>
+                          <p:cTn id="46" fill="hold">
+                            <p:stCondLst>
+                              <p:cond delay="0"/>
+                            </p:stCondLst>
+                            <p:childTnLst>
+                              <p:par>
+                                <p:cTn id="47" presetID="1" presetClass="entr" presetSubtype="0" fill="hold" grpId="0" nodeType="clickEffect">
+                                  <p:stCondLst>
+                                    <p:cond delay="0"/>
+                                  </p:stCondLst>
+                                  <p:childTnLst>
+                                    <p:set>
+                                      <p:cBhvr>
+                                        <p:cTn id="48" dur="1" fill="hold">
+                                          <p:stCondLst>
+                                            <p:cond delay="0"/>
+                                          </p:stCondLst>
+                                        </p:cTn>
+                                        <p:tgtEl>
+                                          <p:spTgt spid="51"/>
+                                        </p:tgtEl>
+                                        <p:attrNameLst>
+                                          <p:attrName>style.visibility</p:attrName>
+                                        </p:attrNameLst>
+                                      </p:cBhvr>
+                                      <p:to>
+                                        <p:strVal val="visible"/>
+                                      </p:to>
+                                    </p:set>
+                                  </p:childTnLst>
+                                </p:cTn>
+                              </p:par>
+                            </p:childTnLst>
+                          </p:cTn>
+                        </p:par>
+                      </p:childTnLst>
+                    </p:cTn>
+                  </p:par>
+                  <p:par>
+                    <p:cTn id="49" fill="hold">
+                      <p:stCondLst>
+                        <p:cond delay="indefinite"/>
+                      </p:stCondLst>
+                      <p:childTnLst>
+                        <p:par>
+                          <p:cTn id="50" fill="hold">
+                            <p:stCondLst>
+                              <p:cond delay="0"/>
+                            </p:stCondLst>
+                            <p:childTnLst>
+                              <p:par>
+                                <p:cTn id="51" presetID="1" presetClass="entr" presetSubtype="0" fill="hold" grpId="0" nodeType="clickEffect">
+                                  <p:stCondLst>
+                                    <p:cond delay="0"/>
+                                  </p:stCondLst>
+                                  <p:childTnLst>
+                                    <p:set>
+                                      <p:cBhvr>
+                                        <p:cTn id="52" dur="1" fill="hold">
+                                          <p:stCondLst>
+                                            <p:cond delay="0"/>
+                                          </p:stCondLst>
+                                        </p:cTn>
+                                        <p:tgtEl>
+                                          <p:spTgt spid="5">
                                             <p:txEl>
-                                              <p:pRg st="1" end="1"/>
+                                              <p:pRg st="0" end="0"/>
                                             </p:txEl>
                                           </p:spTgt>
                                         </p:tgtEl>
@@ -6912,36 +9457,59 @@
                     </p:cTn>
                   </p:par>
                   <p:par>
-                    <p:cTn id="39" fill="hold">
+                    <p:cTn id="53" fill="hold">
                       <p:stCondLst>
                         <p:cond delay="indefinite"/>
                       </p:stCondLst>
                       <p:childTnLst>
                         <p:par>
-                          <p:cTn id="40" fill="hold">
+                          <p:cTn id="54" fill="hold">
                             <p:stCondLst>
                               <p:cond delay="0"/>
                             </p:stCondLst>
                             <p:childTnLst>
                               <p:par>
-                                <p:cTn id="41" presetID="1" presetClass="entr" presetSubtype="0" fill="hold" grpId="0" nodeType="clickEffect">
+                                <p:cTn id="55" presetID="1" presetClass="entr" presetSubtype="0" fill="hold" nodeType="clickEffect">
                                   <p:stCondLst>
                                     <p:cond delay="0"/>
                                   </p:stCondLst>
                                   <p:childTnLst>
                                     <p:set>
                                       <p:cBhvr>
-                                        <p:cTn id="42" dur="1" fill="hold">
+                                        <p:cTn id="56" dur="1" fill="hold">
                                           <p:stCondLst>
                                             <p:cond delay="0"/>
                                           </p:stCondLst>
                                         </p:cTn>
                                         <p:tgtEl>
-                                          <p:spTgt spid="6">
-                                            <p:txEl>
-                                              <p:pRg st="2" end="2"/>
-                                            </p:txEl>
-                                          </p:spTgt>
+                                          <p:spTgt spid="32"/>
+                                        </p:tgtEl>
+                                        <p:attrNameLst>
+                                          <p:attrName>style.visibility</p:attrName>
+                                        </p:attrNameLst>
+                                      </p:cBhvr>
+                                      <p:to>
+                                        <p:strVal val="visible"/>
+                                      </p:to>
+                                    </p:set>
+                                  </p:childTnLst>
+                                </p:cTn>
+                              </p:par>
+                              <p:par>
+                                <p:cTn id="57" presetID="1" presetClass="entr" presetSubtype="0" fill="hold" grpId="0" nodeType="withEffect">
+                                  <p:stCondLst>
+                                    <p:cond delay="0"/>
+                                  </p:stCondLst>
+                                  <p:childTnLst>
+                                    <p:set>
+                                      <p:cBhvr>
+                                        <p:cTn id="58" dur="1" fill="hold">
+                                          <p:stCondLst>
+                                            <p:cond delay="0"/>
+                                          </p:stCondLst>
+                                        </p:cTn>
+                                        <p:tgtEl>
+                                          <p:spTgt spid="54"/>
                                         </p:tgtEl>
                                         <p:attrNameLst>
                                           <p:attrName>style.visibility</p:attrName>
@@ -6961,36 +9529,59 @@
                     </p:cTn>
                   </p:par>
                   <p:par>
-                    <p:cTn id="43" fill="hold">
+                    <p:cTn id="59" fill="hold">
                       <p:stCondLst>
                         <p:cond delay="indefinite"/>
                       </p:stCondLst>
                       <p:childTnLst>
                         <p:par>
-                          <p:cTn id="44" fill="hold">
+                          <p:cTn id="60" fill="hold">
                             <p:stCondLst>
                               <p:cond delay="0"/>
                             </p:stCondLst>
                             <p:childTnLst>
                               <p:par>
-                                <p:cTn id="45" presetID="1" presetClass="entr" presetSubtype="0" fill="hold" grpId="0" nodeType="clickEffect">
+                                <p:cTn id="61" presetID="1" presetClass="entr" presetSubtype="0" fill="hold" nodeType="clickEffect">
                                   <p:stCondLst>
                                     <p:cond delay="0"/>
                                   </p:stCondLst>
                                   <p:childTnLst>
                                     <p:set>
                                       <p:cBhvr>
-                                        <p:cTn id="46" dur="1" fill="hold">
+                                        <p:cTn id="62" dur="1" fill="hold">
                                           <p:stCondLst>
                                             <p:cond delay="0"/>
                                           </p:stCondLst>
                                         </p:cTn>
                                         <p:tgtEl>
-                                          <p:spTgt spid="6">
-                                            <p:txEl>
-                                              <p:pRg st="3" end="3"/>
-                                            </p:txEl>
-                                          </p:spTgt>
+                                          <p:spTgt spid="34"/>
+                                        </p:tgtEl>
+                                        <p:attrNameLst>
+                                          <p:attrName>style.visibility</p:attrName>
+                                        </p:attrNameLst>
+                                      </p:cBhvr>
+                                      <p:to>
+                                        <p:strVal val="visible"/>
+                                      </p:to>
+                                    </p:set>
+                                  </p:childTnLst>
+                                </p:cTn>
+                              </p:par>
+                              <p:par>
+                                <p:cTn id="63" presetID="1" presetClass="entr" presetSubtype="0" fill="hold" grpId="0" nodeType="withEffect">
+                                  <p:stCondLst>
+                                    <p:cond delay="0"/>
+                                  </p:stCondLst>
+                                  <p:childTnLst>
+                                    <p:set>
+                                      <p:cBhvr>
+                                        <p:cTn id="64" dur="1" fill="hold">
+                                          <p:stCondLst>
+                                            <p:cond delay="0"/>
+                                          </p:stCondLst>
+                                        </p:cTn>
+                                        <p:tgtEl>
+                                          <p:spTgt spid="56"/>
                                         </p:tgtEl>
                                         <p:attrNameLst>
                                           <p:attrName>style.visibility</p:attrName>
@@ -7010,36 +9601,59 @@
                     </p:cTn>
                   </p:par>
                   <p:par>
-                    <p:cTn id="47" fill="hold">
+                    <p:cTn id="65" fill="hold">
                       <p:stCondLst>
                         <p:cond delay="indefinite"/>
                       </p:stCondLst>
                       <p:childTnLst>
                         <p:par>
-                          <p:cTn id="48" fill="hold">
+                          <p:cTn id="66" fill="hold">
                             <p:stCondLst>
                               <p:cond delay="0"/>
                             </p:stCondLst>
                             <p:childTnLst>
                               <p:par>
-                                <p:cTn id="49" presetID="1" presetClass="entr" presetSubtype="0" fill="hold" grpId="0" nodeType="clickEffect">
+                                <p:cTn id="67" presetID="1" presetClass="entr" presetSubtype="0" fill="hold" nodeType="clickEffect">
                                   <p:stCondLst>
                                     <p:cond delay="0"/>
                                   </p:stCondLst>
                                   <p:childTnLst>
                                     <p:set>
                                       <p:cBhvr>
-                                        <p:cTn id="50" dur="1" fill="hold">
+                                        <p:cTn id="68" dur="1" fill="hold">
                                           <p:stCondLst>
                                             <p:cond delay="0"/>
                                           </p:stCondLst>
                                         </p:cTn>
                                         <p:tgtEl>
-                                          <p:spTgt spid="6">
-                                            <p:txEl>
-                                              <p:pRg st="4" end="4"/>
-                                            </p:txEl>
-                                          </p:spTgt>
+                                          <p:spTgt spid="1026"/>
+                                        </p:tgtEl>
+                                        <p:attrNameLst>
+                                          <p:attrName>style.visibility</p:attrName>
+                                        </p:attrNameLst>
+                                      </p:cBhvr>
+                                      <p:to>
+                                        <p:strVal val="visible"/>
+                                      </p:to>
+                                    </p:set>
+                                  </p:childTnLst>
+                                </p:cTn>
+                              </p:par>
+                              <p:par>
+                                <p:cTn id="69" presetID="1" presetClass="entr" presetSubtype="0" fill="hold" grpId="0" nodeType="withEffect">
+                                  <p:stCondLst>
+                                    <p:cond delay="0"/>
+                                  </p:stCondLst>
+                                  <p:childTnLst>
+                                    <p:set>
+                                      <p:cBhvr>
+                                        <p:cTn id="70" dur="1" fill="hold">
+                                          <p:stCondLst>
+                                            <p:cond delay="0"/>
+                                          </p:stCondLst>
+                                        </p:cTn>
+                                        <p:tgtEl>
+                                          <p:spTgt spid="57"/>
                                         </p:tgtEl>
                                         <p:attrNameLst>
                                           <p:attrName>style.visibility</p:attrName>
@@ -7059,36 +9673,59 @@
                     </p:cTn>
                   </p:par>
                   <p:par>
-                    <p:cTn id="51" fill="hold">
+                    <p:cTn id="71" fill="hold">
                       <p:stCondLst>
                         <p:cond delay="indefinite"/>
                       </p:stCondLst>
                       <p:childTnLst>
                         <p:par>
-                          <p:cTn id="52" fill="hold">
+                          <p:cTn id="72" fill="hold">
                             <p:stCondLst>
                               <p:cond delay="0"/>
                             </p:stCondLst>
                             <p:childTnLst>
                               <p:par>
-                                <p:cTn id="53" presetID="1" presetClass="entr" presetSubtype="0" fill="hold" grpId="0" nodeType="clickEffect">
+                                <p:cTn id="73" presetID="1" presetClass="entr" presetSubtype="0" fill="hold" nodeType="clickEffect">
                                   <p:stCondLst>
                                     <p:cond delay="0"/>
                                   </p:stCondLst>
                                   <p:childTnLst>
                                     <p:set>
                                       <p:cBhvr>
-                                        <p:cTn id="54" dur="1" fill="hold">
+                                        <p:cTn id="74" dur="1" fill="hold">
                                           <p:stCondLst>
                                             <p:cond delay="0"/>
                                           </p:stCondLst>
                                         </p:cTn>
                                         <p:tgtEl>
-                                          <p:spTgt spid="6">
-                                            <p:txEl>
-                                              <p:pRg st="5" end="5"/>
-                                            </p:txEl>
-                                          </p:spTgt>
+                                          <p:spTgt spid="40"/>
+                                        </p:tgtEl>
+                                        <p:attrNameLst>
+                                          <p:attrName>style.visibility</p:attrName>
+                                        </p:attrNameLst>
+                                      </p:cBhvr>
+                                      <p:to>
+                                        <p:strVal val="visible"/>
+                                      </p:to>
+                                    </p:set>
+                                  </p:childTnLst>
+                                </p:cTn>
+                              </p:par>
+                              <p:par>
+                                <p:cTn id="75" presetID="1" presetClass="entr" presetSubtype="0" fill="hold" grpId="0" nodeType="withEffect">
+                                  <p:stCondLst>
+                                    <p:cond delay="0"/>
+                                  </p:stCondLst>
+                                  <p:childTnLst>
+                                    <p:set>
+                                      <p:cBhvr>
+                                        <p:cTn id="76" dur="1" fill="hold">
+                                          <p:stCondLst>
+                                            <p:cond delay="0"/>
+                                          </p:stCondLst>
+                                        </p:cTn>
+                                        <p:tgtEl>
+                                          <p:spTgt spid="58"/>
                                         </p:tgtEl>
                                         <p:attrNameLst>
                                           <p:attrName>style.visibility</p:attrName>
@@ -7108,36 +9745,149 @@
                     </p:cTn>
                   </p:par>
                   <p:par>
-                    <p:cTn id="55" fill="hold">
+                    <p:cTn id="77" fill="hold">
                       <p:stCondLst>
                         <p:cond delay="indefinite"/>
                       </p:stCondLst>
                       <p:childTnLst>
                         <p:par>
-                          <p:cTn id="56" fill="hold">
+                          <p:cTn id="78" fill="hold">
                             <p:stCondLst>
                               <p:cond delay="0"/>
                             </p:stCondLst>
                             <p:childTnLst>
                               <p:par>
-                                <p:cTn id="57" presetID="1" presetClass="entr" presetSubtype="0" fill="hold" grpId="0" nodeType="clickEffect">
+                                <p:cTn id="79" presetID="1" presetClass="entr" presetSubtype="0" fill="hold" nodeType="clickEffect">
                                   <p:stCondLst>
                                     <p:cond delay="0"/>
                                   </p:stCondLst>
                                   <p:childTnLst>
                                     <p:set>
                                       <p:cBhvr>
-                                        <p:cTn id="58" dur="1" fill="hold">
+                                        <p:cTn id="80" dur="1" fill="hold">
                                           <p:stCondLst>
                                             <p:cond delay="0"/>
                                           </p:stCondLst>
                                         </p:cTn>
                                         <p:tgtEl>
-                                          <p:spTgt spid="6">
-                                            <p:txEl>
-                                              <p:pRg st="6" end="6"/>
-                                            </p:txEl>
-                                          </p:spTgt>
+                                          <p:spTgt spid="43"/>
+                                        </p:tgtEl>
+                                        <p:attrNameLst>
+                                          <p:attrName>style.visibility</p:attrName>
+                                        </p:attrNameLst>
+                                      </p:cBhvr>
+                                      <p:to>
+                                        <p:strVal val="visible"/>
+                                      </p:to>
+                                    </p:set>
+                                  </p:childTnLst>
+                                </p:cTn>
+                              </p:par>
+                              <p:par>
+                                <p:cTn id="81" presetID="1" presetClass="entr" presetSubtype="0" fill="hold" grpId="0" nodeType="withEffect">
+                                  <p:stCondLst>
+                                    <p:cond delay="0"/>
+                                  </p:stCondLst>
+                                  <p:childTnLst>
+                                    <p:set>
+                                      <p:cBhvr>
+                                        <p:cTn id="82" dur="1" fill="hold">
+                                          <p:stCondLst>
+                                            <p:cond delay="0"/>
+                                          </p:stCondLst>
+                                        </p:cTn>
+                                        <p:tgtEl>
+                                          <p:spTgt spid="61"/>
+                                        </p:tgtEl>
+                                        <p:attrNameLst>
+                                          <p:attrName>style.visibility</p:attrName>
+                                        </p:attrNameLst>
+                                      </p:cBhvr>
+                                      <p:to>
+                                        <p:strVal val="visible"/>
+                                      </p:to>
+                                    </p:set>
+                                  </p:childTnLst>
+                                </p:cTn>
+                              </p:par>
+                            </p:childTnLst>
+                          </p:cTn>
+                        </p:par>
+                      </p:childTnLst>
+                    </p:cTn>
+                  </p:par>
+                  <p:par>
+                    <p:cTn id="83" fill="hold">
+                      <p:stCondLst>
+                        <p:cond delay="indefinite"/>
+                      </p:stCondLst>
+                      <p:childTnLst>
+                        <p:par>
+                          <p:cTn id="84" fill="hold">
+                            <p:stCondLst>
+                              <p:cond delay="0"/>
+                            </p:stCondLst>
+                            <p:childTnLst>
+                              <p:par>
+                                <p:cTn id="85" presetID="1" presetClass="entr" presetSubtype="0" fill="hold" grpId="0" nodeType="clickEffect">
+                                  <p:stCondLst>
+                                    <p:cond delay="0"/>
+                                  </p:stCondLst>
+                                  <p:childTnLst>
+                                    <p:set>
+                                      <p:cBhvr>
+                                        <p:cTn id="86" dur="1" fill="hold">
+                                          <p:stCondLst>
+                                            <p:cond delay="0"/>
+                                          </p:stCondLst>
+                                        </p:cTn>
+                                        <p:tgtEl>
+                                          <p:spTgt spid="60"/>
+                                        </p:tgtEl>
+                                        <p:attrNameLst>
+                                          <p:attrName>style.visibility</p:attrName>
+                                        </p:attrNameLst>
+                                      </p:cBhvr>
+                                      <p:to>
+                                        <p:strVal val="visible"/>
+                                      </p:to>
+                                    </p:set>
+                                  </p:childTnLst>
+                                </p:cTn>
+                              </p:par>
+                            </p:childTnLst>
+                          </p:cTn>
+                        </p:par>
+                      </p:childTnLst>
+                    </p:cTn>
+                  </p:par>
+                  <p:par>
+                    <p:cTn id="87" fill="hold">
+                      <p:stCondLst>
+                        <p:cond delay="indefinite"/>
+                      </p:stCondLst>
+                      <p:childTnLst>
+                        <p:par>
+                          <p:cTn id="88" fill="hold">
+                            <p:stCondLst>
+                              <p:cond delay="0"/>
+                            </p:stCondLst>
+                            <p:childTnLst>
+                              <p:par>
+                                <p:cTn id="89" presetID="1" presetClass="entr" presetSubtype="0" fill="hold" grpId="0" nodeType="clickEffect">
+                                  <p:stCondLst>
+                                    <p:cond delay="0"/>
+                                  </p:stCondLst>
+                                  <p:childTnLst>
+                                    <p:set>
+                                      <p:cBhvr>
+                                        <p:cTn id="90" dur="1" fill="hold">
+                                          <p:stCondLst>
+                                            <p:cond delay="0"/>
+                                          </p:stCondLst>
+                                        </p:cTn>
+                                        <p:tgtEl>
+                                          <p:spTgt spid="59"/>
                                         </p:tgtEl>
                                         <p:attrNameLst>
                                           <p:attrName>style.visibility</p:attrName>
@@ -7179,9 +9929,22 @@
     </p:tnLst>
     <p:bldLst>
       <p:bldP spid="3" grpId="0" build="p"/>
-      <p:bldP spid="4" grpId="0" build="p"/>
       <p:bldP spid="5" grpId="0" build="p"/>
-      <p:bldP spid="6" grpId="0" build="p"/>
+      <p:bldP spid="11" grpId="0"/>
+      <p:bldP spid="12" grpId="0"/>
+      <p:bldP spid="45" grpId="0"/>
+      <p:bldP spid="47" grpId="0"/>
+      <p:bldP spid="48" grpId="0"/>
+      <p:bldP spid="49" grpId="0"/>
+      <p:bldP spid="50" grpId="0"/>
+      <p:bldP spid="51" grpId="0"/>
+      <p:bldP spid="54" grpId="0"/>
+      <p:bldP spid="56" grpId="0"/>
+      <p:bldP spid="57" grpId="0"/>
+      <p:bldP spid="58" grpId="0"/>
+      <p:bldP spid="59" grpId="0"/>
+      <p:bldP spid="60" grpId="0"/>
+      <p:bldP spid="61" grpId="0"/>
     </p:bldLst>
   </p:timing>
 </p:sld>
@@ -7221,10 +9984,9 @@
           <a:p>
             <a:pPr rtl="0"/>
             <a:r>
-              <a:rPr lang="pt-BR" dirty="0" smtClean="0"/>
+              <a:rPr lang="pt-BR" dirty="0"/>
               <a:t>Tecnologias</a:t>
             </a:r>
-            <a:endParaRPr lang="pt-BR" dirty="0"/>
           </a:p>
         </p:txBody>
       </p:sp>
@@ -7245,10 +10007,9 @@
           <a:p>
             <a:pPr rtl="0"/>
             <a:r>
-              <a:rPr lang="pt-BR" dirty="0" smtClean="0"/>
+              <a:rPr lang="pt-BR" dirty="0"/>
               <a:t>Gerenciador de dependências e projeto</a:t>
             </a:r>
-            <a:endParaRPr lang="pt-BR" dirty="0"/>
           </a:p>
         </p:txBody>
       </p:sp>
@@ -7276,7 +10037,7 @@
           <a:p>
             <a:pPr lvl="0"/>
             <a:r>
-              <a:rPr lang="pt-BR" dirty="0" err="1" smtClean="0"/>
+              <a:rPr lang="pt-BR" dirty="0" err="1"/>
               <a:t>Maven</a:t>
             </a:r>
             <a:endParaRPr lang="pt-BR" dirty="0"/>
@@ -7304,10 +10065,9 @@
           <a:p>
             <a:pPr rtl="0"/>
             <a:r>
-              <a:rPr lang="pt-BR" dirty="0" smtClean="0"/>
+              <a:rPr lang="pt-BR" dirty="0"/>
               <a:t>Banco de dados</a:t>
             </a:r>
-            <a:endParaRPr lang="pt-BR" dirty="0"/>
           </a:p>
         </p:txBody>
       </p:sp>
@@ -7335,14 +10095,13 @@
           <a:p>
             <a:pPr lvl="0"/>
             <a:r>
-              <a:rPr lang="pt-BR" dirty="0" err="1" smtClean="0"/>
+              <a:rPr lang="pt-BR" dirty="0" err="1"/>
               <a:t>PostgreSQL</a:t>
             </a:r>
             <a:r>
-              <a:rPr lang="pt-BR" dirty="0" smtClean="0"/>
+              <a:rPr lang="pt-BR" dirty="0"/>
               <a:t> 9.6</a:t>
             </a:r>
-            <a:endParaRPr lang="pt-BR" dirty="0"/>
           </a:p>
           <a:p>
             <a:pPr rtl="0"/>
@@ -7557,11 +10316,11 @@
           </a:lstStyle>
           <a:p>
             <a:r>
-              <a:rPr lang="pt-BR" dirty="0" smtClean="0"/>
+              <a:rPr lang="pt-BR" dirty="0"/>
               <a:t>Ferramenta de </a:t>
             </a:r>
             <a:r>
-              <a:rPr lang="pt-BR" dirty="0" err="1" smtClean="0"/>
+              <a:rPr lang="pt-BR" dirty="0" err="1"/>
               <a:t>protipagem</a:t>
             </a:r>
             <a:endParaRPr lang="pt-BR" dirty="0"/>
@@ -7775,19 +10534,19 @@
           </a:lstStyle>
           <a:p>
             <a:r>
-              <a:rPr lang="pt-BR" dirty="0" err="1" smtClean="0"/>
+              <a:rPr lang="pt-BR" dirty="0" err="1"/>
               <a:t>Balsamiq</a:t>
             </a:r>
             <a:r>
-              <a:rPr lang="pt-BR" dirty="0" smtClean="0"/>
+              <a:rPr lang="pt-BR" dirty="0"/>
               <a:t> </a:t>
             </a:r>
             <a:r>
-              <a:rPr lang="pt-BR" dirty="0" err="1" smtClean="0"/>
+              <a:rPr lang="pt-BR" dirty="0" err="1"/>
               <a:t>Mockups</a:t>
             </a:r>
             <a:r>
-              <a:rPr lang="pt-BR" dirty="0" smtClean="0"/>
+              <a:rPr lang="pt-BR" dirty="0"/>
               <a:t> 3</a:t>
             </a:r>
           </a:p>
@@ -8003,10 +10762,9 @@
           </a:lstStyle>
           <a:p>
             <a:r>
-              <a:rPr lang="pt-BR" dirty="0" smtClean="0"/>
+              <a:rPr lang="pt-BR" dirty="0"/>
               <a:t>Controle de versões</a:t>
             </a:r>
-            <a:endParaRPr lang="pt-BR" dirty="0"/>
           </a:p>
         </p:txBody>
       </p:sp>
@@ -8217,24 +10975,226 @@
           </a:lstStyle>
           <a:p>
             <a:r>
-              <a:rPr lang="pt-BR" dirty="0" err="1" smtClean="0"/>
+              <a:rPr lang="pt-BR" dirty="0" err="1"/>
               <a:t>Git</a:t>
             </a:r>
             <a:r>
-              <a:rPr lang="pt-BR" dirty="0" smtClean="0"/>
+              <a:rPr lang="pt-BR" dirty="0"/>
               <a:t> &amp; </a:t>
             </a:r>
             <a:r>
-              <a:rPr lang="pt-BR" dirty="0" err="1" smtClean="0"/>
+              <a:rPr lang="pt-BR" dirty="0" err="1"/>
               <a:t>GitHub</a:t>
             </a:r>
-            <a:endParaRPr lang="pt-BR" dirty="0" smtClean="0"/>
+            <a:endParaRPr lang="pt-BR" dirty="0"/>
           </a:p>
           <a:p>
             <a:endParaRPr lang="pt-BR" dirty="0"/>
           </a:p>
         </p:txBody>
       </p:sp>
+      <p:pic>
+        <p:nvPicPr>
+          <p:cNvPr id="2054" name="Picture 6" descr="Resultado de imagem para maven svg">
+            <a:extLst>
+              <a:ext uri="{FF2B5EF4-FFF2-40B4-BE49-F238E27FC236}">
+                <a16:creationId xmlns:a16="http://schemas.microsoft.com/office/drawing/2014/main" id="{D4896B96-07E3-426E-899A-C63F4DC32FAE}"/>
+              </a:ext>
+            </a:extLst>
+          </p:cNvPr>
+          <p:cNvPicPr>
+            <a:picLocks noChangeAspect="1" noChangeArrowheads="1"/>
+          </p:cNvPicPr>
+          <p:nvPr/>
+        </p:nvPicPr>
+        <p:blipFill>
+          <a:blip r:embed="rId2" cstate="print">
+            <a:extLst>
+              <a:ext uri="{28A0092B-C50C-407E-A947-70E740481C1C}">
+                <a14:useLocalDpi xmlns:a14="http://schemas.microsoft.com/office/drawing/2010/main" val="0"/>
+              </a:ext>
+            </a:extLst>
+          </a:blip>
+          <a:srcRect/>
+          <a:stretch>
+            <a:fillRect/>
+          </a:stretch>
+        </p:blipFill>
+        <p:spPr bwMode="auto">
+          <a:xfrm>
+            <a:off x="1282004" y="2690241"/>
+            <a:ext cx="480814" cy="480814"/>
+          </a:xfrm>
+          <a:prstGeom prst="rect">
+            <a:avLst/>
+          </a:prstGeom>
+          <a:noFill/>
+          <a:extLst>
+            <a:ext uri="{909E8E84-426E-40DD-AFC4-6F175D3DCCD1}">
+              <a14:hiddenFill xmlns:a14="http://schemas.microsoft.com/office/drawing/2010/main">
+                <a:solidFill>
+                  <a:srgbClr val="FFFFFF"/>
+                </a:solidFill>
+              </a14:hiddenFill>
+            </a:ext>
+          </a:extLst>
+        </p:spPr>
+      </p:pic>
+      <p:pic>
+        <p:nvPicPr>
+          <p:cNvPr id="15" name="Imagem 14">
+            <a:extLst>
+              <a:ext uri="{FF2B5EF4-FFF2-40B4-BE49-F238E27FC236}">
+                <a16:creationId xmlns:a16="http://schemas.microsoft.com/office/drawing/2014/main" id="{F13679B8-AE0A-4B63-8842-20132E7604C9}"/>
+              </a:ext>
+            </a:extLst>
+          </p:cNvPr>
+          <p:cNvPicPr>
+            <a:picLocks noChangeAspect="1"/>
+          </p:cNvPicPr>
+          <p:nvPr/>
+        </p:nvPicPr>
+        <p:blipFill>
+          <a:blip r:embed="rId3" cstate="print">
+            <a:extLst>
+              <a:ext uri="{28A0092B-C50C-407E-A947-70E740481C1C}">
+                <a14:useLocalDpi xmlns:a14="http://schemas.microsoft.com/office/drawing/2010/main" val="0"/>
+              </a:ext>
+            </a:extLst>
+          </a:blip>
+          <a:stretch>
+            <a:fillRect/>
+          </a:stretch>
+        </p:blipFill>
+        <p:spPr>
+          <a:xfrm>
+            <a:off x="5786132" y="2563303"/>
+            <a:ext cx="712448" cy="734690"/>
+          </a:xfrm>
+          <a:prstGeom prst="rect">
+            <a:avLst/>
+          </a:prstGeom>
+        </p:spPr>
+      </p:pic>
+      <p:pic>
+        <p:nvPicPr>
+          <p:cNvPr id="17" name="Imagem 16">
+            <a:extLst>
+              <a:ext uri="{FF2B5EF4-FFF2-40B4-BE49-F238E27FC236}">
+                <a16:creationId xmlns:a16="http://schemas.microsoft.com/office/drawing/2014/main" id="{B393FA8F-E891-4CAE-8039-4B8C041C11C2}"/>
+              </a:ext>
+            </a:extLst>
+          </p:cNvPr>
+          <p:cNvPicPr>
+            <a:picLocks noChangeAspect="1"/>
+          </p:cNvPicPr>
+          <p:nvPr/>
+        </p:nvPicPr>
+        <p:blipFill>
+          <a:blip r:embed="rId4" cstate="print">
+            <a:extLst>
+              <a:ext uri="{28A0092B-C50C-407E-A947-70E740481C1C}">
+                <a14:useLocalDpi xmlns:a14="http://schemas.microsoft.com/office/drawing/2010/main" val="0"/>
+              </a:ext>
+            </a:extLst>
+          </a:blip>
+          <a:stretch>
+            <a:fillRect/>
+          </a:stretch>
+        </p:blipFill>
+        <p:spPr>
+          <a:xfrm>
+            <a:off x="1198570" y="4321950"/>
+            <a:ext cx="564248" cy="592589"/>
+          </a:xfrm>
+          <a:prstGeom prst="rect">
+            <a:avLst/>
+          </a:prstGeom>
+        </p:spPr>
+      </p:pic>
+      <p:pic>
+        <p:nvPicPr>
+          <p:cNvPr id="19" name="Imagem 18">
+            <a:extLst>
+              <a:ext uri="{FF2B5EF4-FFF2-40B4-BE49-F238E27FC236}">
+                <a16:creationId xmlns:a16="http://schemas.microsoft.com/office/drawing/2014/main" id="{382A2E7A-784A-46FC-9439-A1596F31D79E}"/>
+              </a:ext>
+            </a:extLst>
+          </p:cNvPr>
+          <p:cNvPicPr>
+            <a:picLocks noChangeAspect="1"/>
+          </p:cNvPicPr>
+          <p:nvPr/>
+        </p:nvPicPr>
+        <p:blipFill>
+          <a:blip r:embed="rId5" cstate="print">
+            <a:extLst>
+              <a:ext uri="{28A0092B-C50C-407E-A947-70E740481C1C}">
+                <a14:useLocalDpi xmlns:a14="http://schemas.microsoft.com/office/drawing/2010/main" val="0"/>
+              </a:ext>
+            </a:extLst>
+          </a:blip>
+          <a:stretch>
+            <a:fillRect/>
+          </a:stretch>
+        </p:blipFill>
+        <p:spPr>
+          <a:xfrm>
+            <a:off x="5663969" y="4252655"/>
+            <a:ext cx="956773" cy="795317"/>
+          </a:xfrm>
+          <a:prstGeom prst="rect">
+            <a:avLst/>
+          </a:prstGeom>
+        </p:spPr>
+      </p:pic>
+      <p:pic>
+        <p:nvPicPr>
+          <p:cNvPr id="25" name="Picture 7" descr="D:\projetos\ApontaHidrometro\Coletrometro\src\main\resources\statics\logo1.png">
+            <a:extLst>
+              <a:ext uri="{FF2B5EF4-FFF2-40B4-BE49-F238E27FC236}">
+                <a16:creationId xmlns:a16="http://schemas.microsoft.com/office/drawing/2014/main" id="{69A4534A-FEDF-40CE-8999-F3C014BD9B09}"/>
+              </a:ext>
+            </a:extLst>
+          </p:cNvPr>
+          <p:cNvPicPr>
+            <a:picLocks noChangeAspect="1" noChangeArrowheads="1"/>
+          </p:cNvPicPr>
+          <p:nvPr/>
+        </p:nvPicPr>
+        <p:blipFill>
+          <a:blip r:embed="rId6">
+            <a:extLst>
+              <a:ext uri="{28A0092B-C50C-407E-A947-70E740481C1C}">
+                <a14:useLocalDpi xmlns:a14="http://schemas.microsoft.com/office/drawing/2010/main" val="0"/>
+              </a:ext>
+            </a:extLst>
+          </a:blip>
+          <a:srcRect/>
+          <a:stretch>
+            <a:fillRect/>
+          </a:stretch>
+        </p:blipFill>
+        <p:spPr bwMode="auto">
+          <a:xfrm>
+            <a:off x="10126860" y="4797152"/>
+            <a:ext cx="2060848" cy="2060848"/>
+          </a:xfrm>
+          <a:prstGeom prst="rect">
+            <a:avLst/>
+          </a:prstGeom>
+          <a:noFill/>
+          <a:extLst>
+            <a:ext uri="{909E8E84-426E-40DD-AFC4-6F175D3DCCD1}">
+              <a14:hiddenFill xmlns:a14="http://schemas.microsoft.com/office/drawing/2010/main">
+                <a:solidFill>
+                  <a:srgbClr val="FFFFFF"/>
+                </a:solidFill>
+              </a14:hiddenFill>
+            </a:ext>
+          </a:extLst>
+        </p:spPr>
+      </p:pic>
     </p:spTree>
     <p:extLst>
       <p:ext uri="{BB962C8B-B14F-4D97-AF65-F5344CB8AC3E}">
@@ -8308,15 +11268,60 @@
                                   </p:childTnLst>
                                 </p:cTn>
                               </p:par>
+                            </p:childTnLst>
+                          </p:cTn>
+                        </p:par>
+                      </p:childTnLst>
+                    </p:cTn>
+                  </p:par>
+                  <p:par>
+                    <p:cTn id="7" fill="hold">
+                      <p:stCondLst>
+                        <p:cond delay="indefinite"/>
+                      </p:stCondLst>
+                      <p:childTnLst>
+                        <p:par>
+                          <p:cTn id="8" fill="hold">
+                            <p:stCondLst>
+                              <p:cond delay="0"/>
+                            </p:stCondLst>
+                            <p:childTnLst>
                               <p:par>
-                                <p:cTn id="7" presetID="1" presetClass="entr" presetSubtype="0" fill="hold" grpId="0" nodeType="withEffect">
+                                <p:cTn id="9" presetID="1" presetClass="entr" presetSubtype="0" fill="hold" nodeType="clickEffect">
                                   <p:stCondLst>
                                     <p:cond delay="0"/>
                                   </p:stCondLst>
                                   <p:childTnLst>
                                     <p:set>
                                       <p:cBhvr>
-                                        <p:cTn id="8" dur="1" fill="hold">
+                                        <p:cTn id="10" dur="1" fill="hold">
+                                          <p:stCondLst>
+                                            <p:cond delay="0"/>
+                                          </p:stCondLst>
+                                        </p:cTn>
+                                        <p:tgtEl>
+                                          <p:spTgt spid="2054"/>
+                                        </p:tgtEl>
+                                        <p:attrNameLst>
+                                          <p:attrName>style.visibility</p:attrName>
+                                        </p:attrNameLst>
+                                      </p:cBhvr>
+                                      <p:to>
+                                        <p:strVal val="visible"/>
+                                      </p:to>
+                                    </p:set>
+                                  </p:childTnLst>
+                                </p:cTn>
+                              </p:par>
+                              <p:par>
+                                <p:cTn id="11" presetID="1" presetClass="entr" presetSubtype="0" fill="hold" grpId="0" nodeType="withEffect">
+                                  <p:stCondLst>
+                                    <p:cond delay="0"/>
+                                  </p:stCondLst>
+                                  <p:childTnLst>
+                                    <p:set>
+                                      <p:cBhvr>
+                                        <p:cTn id="12" dur="1" fill="hold">
                                           <p:stCondLst>
                                             <p:cond delay="0"/>
                                           </p:stCondLst>
@@ -8346,26 +11351,26 @@
                     </p:cTn>
                   </p:par>
                   <p:par>
-                    <p:cTn id="9" fill="hold">
+                    <p:cTn id="13" fill="hold">
                       <p:stCondLst>
                         <p:cond delay="indefinite"/>
                       </p:stCondLst>
                       <p:childTnLst>
                         <p:par>
-                          <p:cTn id="10" fill="hold">
+                          <p:cTn id="14" fill="hold">
                             <p:stCondLst>
                               <p:cond delay="0"/>
                             </p:stCondLst>
                             <p:childTnLst>
                               <p:par>
-                                <p:cTn id="11" presetID="1" presetClass="entr" presetSubtype="0" fill="hold" grpId="0" nodeType="clickEffect">
+                                <p:cTn id="15" presetID="1" presetClass="entr" presetSubtype="0" fill="hold" nodeType="clickEffect">
                                   <p:stCondLst>
                                     <p:cond delay="0"/>
                                   </p:stCondLst>
                                   <p:childTnLst>
                                     <p:set>
                                       <p:cBhvr>
-                                        <p:cTn id="12" dur="1" fill="hold">
+                                        <p:cTn id="16" dur="1" fill="hold">
                                           <p:stCondLst>
                                             <p:cond delay="0"/>
                                           </p:stCondLst>
@@ -8388,15 +11393,60 @@
                                   </p:childTnLst>
                                 </p:cTn>
                               </p:par>
+                            </p:childTnLst>
+                          </p:cTn>
+                        </p:par>
+                      </p:childTnLst>
+                    </p:cTn>
+                  </p:par>
+                  <p:par>
+                    <p:cTn id="17" fill="hold">
+                      <p:stCondLst>
+                        <p:cond delay="indefinite"/>
+                      </p:stCondLst>
+                      <p:childTnLst>
+                        <p:par>
+                          <p:cTn id="18" fill="hold">
+                            <p:stCondLst>
+                              <p:cond delay="0"/>
+                            </p:stCondLst>
+                            <p:childTnLst>
                               <p:par>
-                                <p:cTn id="13" presetID="1" presetClass="entr" presetSubtype="0" fill="hold" grpId="0" nodeType="withEffect">
+                                <p:cTn id="19" presetID="1" presetClass="entr" presetSubtype="0" fill="hold" nodeType="clickEffect">
                                   <p:stCondLst>
                                     <p:cond delay="0"/>
                                   </p:stCondLst>
                                   <p:childTnLst>
                                     <p:set>
                                       <p:cBhvr>
-                                        <p:cTn id="14" dur="1" fill="hold">
+                                        <p:cTn id="20" dur="1" fill="hold">
+                                          <p:stCondLst>
+                                            <p:cond delay="0"/>
+                                          </p:stCondLst>
+                                        </p:cTn>
+                                        <p:tgtEl>
+                                          <p:spTgt spid="15"/>
+                                        </p:tgtEl>
+                                        <p:attrNameLst>
+                                          <p:attrName>style.visibility</p:attrName>
+                                        </p:attrNameLst>
+                                      </p:cBhvr>
+                                      <p:to>
+                                        <p:strVal val="visible"/>
+                                      </p:to>
+                                    </p:set>
+                                  </p:childTnLst>
+                                </p:cTn>
+                              </p:par>
+                              <p:par>
+                                <p:cTn id="21" presetID="1" presetClass="entr" presetSubtype="0" fill="hold" grpId="0" nodeType="withEffect">
+                                  <p:stCondLst>
+                                    <p:cond delay="0"/>
+                                  </p:stCondLst>
+                                  <p:childTnLst>
+                                    <p:set>
+                                      <p:cBhvr>
+                                        <p:cTn id="22" dur="1" fill="hold">
                                           <p:stCondLst>
                                             <p:cond delay="0"/>
                                           </p:stCondLst>
@@ -8426,67 +11476,32 @@
                     </p:cTn>
                   </p:par>
                   <p:par>
-                    <p:cTn id="15" fill="hold">
+                    <p:cTn id="23" fill="hold">
                       <p:stCondLst>
                         <p:cond delay="indefinite"/>
                       </p:stCondLst>
                       <p:childTnLst>
                         <p:par>
-                          <p:cTn id="16" fill="hold">
+                          <p:cTn id="24" fill="hold">
                             <p:stCondLst>
                               <p:cond delay="0"/>
                             </p:stCondLst>
                             <p:childTnLst>
                               <p:par>
-                                <p:cTn id="17" presetID="1" presetClass="entr" presetSubtype="0" fill="hold" grpId="0" nodeType="clickEffect">
+                                <p:cTn id="25" presetID="1" presetClass="entr" presetSubtype="0" fill="hold" grpId="0" nodeType="clickEffect">
                                   <p:stCondLst>
                                     <p:cond delay="0"/>
                                   </p:stCondLst>
                                   <p:childTnLst>
                                     <p:set>
                                       <p:cBhvr>
-                                        <p:cTn id="18" dur="1" fill="hold">
+                                        <p:cTn id="26" dur="1" fill="hold">
                                           <p:stCondLst>
                                             <p:cond delay="0"/>
                                           </p:stCondLst>
                                         </p:cTn>
                                         <p:tgtEl>
-                                          <p:spTgt spid="7">
-                                            <p:txEl>
-                                              <p:pRg st="0" end="0"/>
-                                            </p:txEl>
-                                          </p:spTgt>
-                                        </p:tgtEl>
-                                        <p:attrNameLst>
-                                          <p:attrName>style.visibility</p:attrName>
-                                        </p:attrNameLst>
-                                      </p:cBhvr>
-                                      <p:to>
-                                        <p:strVal val="visible"/>
-                                      </p:to>
-                                    </p:set>
-                                  </p:childTnLst>
-                                </p:cTn>
-                              </p:par>
-                              <p:par>
-                                <p:cTn id="19" presetID="1" presetClass="entr" presetSubtype="0" fill="hold" grpId="0" nodeType="withEffect">
-                                  <p:stCondLst>
-                                    <p:cond delay="0"/>
-                                  </p:stCondLst>
-                                  <p:childTnLst>
-                                    <p:set>
-                                      <p:cBhvr>
-                                        <p:cTn id="20" dur="1" fill="hold">
-                                          <p:stCondLst>
-                                            <p:cond delay="0"/>
-                                          </p:stCondLst>
-                                        </p:cTn>
-                                        <p:tgtEl>
-                                          <p:spTgt spid="8">
-                                            <p:txEl>
-                                              <p:pRg st="0" end="0"/>
-                                            </p:txEl>
-                                          </p:spTgt>
+                                          <p:spTgt spid="7"/>
                                         </p:tgtEl>
                                         <p:attrNameLst>
                                           <p:attrName>style.visibility</p:attrName>
@@ -8506,36 +11521,32 @@
                     </p:cTn>
                   </p:par>
                   <p:par>
-                    <p:cTn id="21" fill="hold">
+                    <p:cTn id="27" fill="hold">
                       <p:stCondLst>
                         <p:cond delay="indefinite"/>
                       </p:stCondLst>
                       <p:childTnLst>
                         <p:par>
-                          <p:cTn id="22" fill="hold">
+                          <p:cTn id="28" fill="hold">
                             <p:stCondLst>
                               <p:cond delay="0"/>
                             </p:stCondLst>
                             <p:childTnLst>
                               <p:par>
-                                <p:cTn id="23" presetID="1" presetClass="entr" presetSubtype="0" fill="hold" grpId="0" nodeType="clickEffect">
+                                <p:cTn id="29" presetID="1" presetClass="entr" presetSubtype="0" fill="hold" nodeType="clickEffect">
                                   <p:stCondLst>
                                     <p:cond delay="0"/>
                                   </p:stCondLst>
                                   <p:childTnLst>
                                     <p:set>
                                       <p:cBhvr>
-                                        <p:cTn id="24" dur="1" fill="hold">
+                                        <p:cTn id="30" dur="1" fill="hold">
                                           <p:stCondLst>
                                             <p:cond delay="0"/>
                                           </p:stCondLst>
                                         </p:cTn>
                                         <p:tgtEl>
-                                          <p:spTgt spid="9">
-                                            <p:txEl>
-                                              <p:pRg st="0" end="0"/>
-                                            </p:txEl>
-                                          </p:spTgt>
+                                          <p:spTgt spid="17"/>
                                         </p:tgtEl>
                                         <p:attrNameLst>
                                           <p:attrName>style.visibility</p:attrName>
@@ -8549,24 +11560,137 @@
                                 </p:cTn>
                               </p:par>
                               <p:par>
-                                <p:cTn id="25" presetID="1" presetClass="entr" presetSubtype="0" fill="hold" grpId="0" nodeType="withEffect">
+                                <p:cTn id="31" presetID="1" presetClass="entr" presetSubtype="0" fill="hold" grpId="0" nodeType="withEffect">
                                   <p:stCondLst>
                                     <p:cond delay="0"/>
                                   </p:stCondLst>
                                   <p:childTnLst>
                                     <p:set>
                                       <p:cBhvr>
-                                        <p:cTn id="26" dur="1" fill="hold">
+                                        <p:cTn id="32" dur="1" fill="hold">
                                           <p:stCondLst>
                                             <p:cond delay="0"/>
                                           </p:stCondLst>
                                         </p:cTn>
                                         <p:tgtEl>
-                                          <p:spTgt spid="10">
-                                            <p:txEl>
-                                              <p:pRg st="0" end="0"/>
-                                            </p:txEl>
-                                          </p:spTgt>
+                                          <p:spTgt spid="8"/>
+                                        </p:tgtEl>
+                                        <p:attrNameLst>
+                                          <p:attrName>style.visibility</p:attrName>
+                                        </p:attrNameLst>
+                                      </p:cBhvr>
+                                      <p:to>
+                                        <p:strVal val="visible"/>
+                                      </p:to>
+                                    </p:set>
+                                  </p:childTnLst>
+                                </p:cTn>
+                              </p:par>
+                            </p:childTnLst>
+                          </p:cTn>
+                        </p:par>
+                      </p:childTnLst>
+                    </p:cTn>
+                  </p:par>
+                  <p:par>
+                    <p:cTn id="33" fill="hold">
+                      <p:stCondLst>
+                        <p:cond delay="indefinite"/>
+                      </p:stCondLst>
+                      <p:childTnLst>
+                        <p:par>
+                          <p:cTn id="34" fill="hold">
+                            <p:stCondLst>
+                              <p:cond delay="0"/>
+                            </p:stCondLst>
+                            <p:childTnLst>
+                              <p:par>
+                                <p:cTn id="35" presetID="1" presetClass="entr" presetSubtype="0" fill="hold" grpId="0" nodeType="clickEffect">
+                                  <p:stCondLst>
+                                    <p:cond delay="0"/>
+                                  </p:stCondLst>
+                                  <p:childTnLst>
+                                    <p:set>
+                                      <p:cBhvr>
+                                        <p:cTn id="36" dur="1" fill="hold">
+                                          <p:stCondLst>
+                                            <p:cond delay="0"/>
+                                          </p:stCondLst>
+                                        </p:cTn>
+                                        <p:tgtEl>
+                                          <p:spTgt spid="9"/>
+                                        </p:tgtEl>
+                                        <p:attrNameLst>
+                                          <p:attrName>style.visibility</p:attrName>
+                                        </p:attrNameLst>
+                                      </p:cBhvr>
+                                      <p:to>
+                                        <p:strVal val="visible"/>
+                                      </p:to>
+                                    </p:set>
+                                  </p:childTnLst>
+                                </p:cTn>
+                              </p:par>
+                            </p:childTnLst>
+                          </p:cTn>
+                        </p:par>
+                      </p:childTnLst>
+                    </p:cTn>
+                  </p:par>
+                  <p:par>
+                    <p:cTn id="37" fill="hold">
+                      <p:stCondLst>
+                        <p:cond delay="indefinite"/>
+                      </p:stCondLst>
+                      <p:childTnLst>
+                        <p:par>
+                          <p:cTn id="38" fill="hold">
+                            <p:stCondLst>
+                              <p:cond delay="0"/>
+                            </p:stCondLst>
+                            <p:childTnLst>
+                              <p:par>
+                                <p:cTn id="39" presetID="1" presetClass="entr" presetSubtype="0" fill="hold" grpId="0" nodeType="clickEffect">
+                                  <p:stCondLst>
+                                    <p:cond delay="0"/>
+                                  </p:stCondLst>
+                                  <p:childTnLst>
+                                    <p:set>
+                                      <p:cBhvr>
+                                        <p:cTn id="40" dur="1" fill="hold">
+                                          <p:stCondLst>
+                                            <p:cond delay="0"/>
+                                          </p:stCondLst>
+                                        </p:cTn>
+                                        <p:tgtEl>
+                                          <p:spTgt spid="10"/>
+                                        </p:tgtEl>
+                                        <p:attrNameLst>
+                                          <p:attrName>style.visibility</p:attrName>
+                                        </p:attrNameLst>
+                                      </p:cBhvr>
+                                      <p:to>
+                                        <p:strVal val="visible"/>
+                                      </p:to>
+                                    </p:set>
+                                  </p:childTnLst>
+                                </p:cTn>
+                              </p:par>
+                              <p:par>
+                                <p:cTn id="41" presetID="1" presetClass="entr" presetSubtype="0" fill="hold" nodeType="withEffect">
+                                  <p:stCondLst>
+                                    <p:cond delay="0"/>
+                                  </p:stCondLst>
+                                  <p:childTnLst>
+                                    <p:set>
+                                      <p:cBhvr>
+                                        <p:cTn id="42" dur="1" fill="hold">
+                                          <p:stCondLst>
+                                            <p:cond delay="0"/>
+                                          </p:stCondLst>
+                                        </p:cTn>
+                                        <p:tgtEl>
+                                          <p:spTgt spid="19"/>
                                         </p:tgtEl>
                                         <p:attrNameLst>
                                           <p:attrName>style.visibility</p:attrName>
@@ -8609,12 +11733,11 @@
     <p:bldLst>
       <p:bldP spid="3" grpId="0" build="p"/>
       <p:bldP spid="4" grpId="0" build="p"/>
-      <p:bldP spid="5" grpId="0" build="p"/>
       <p:bldP spid="6" grpId="0" build="p"/>
-      <p:bldP spid="7" grpId="0" build="p"/>
-      <p:bldP spid="8" grpId="0" build="p"/>
-      <p:bldP spid="9" grpId="0" build="p"/>
-      <p:bldP spid="10" grpId="0" build="p"/>
+      <p:bldP spid="7" grpId="0"/>
+      <p:bldP spid="8" grpId="0"/>
+      <p:bldP spid="9" grpId="0"/>
+      <p:bldP spid="10" grpId="0"/>
     </p:bldLst>
   </p:timing>
 </p:sld>
@@ -8654,11 +11777,11 @@
           <a:p>
             <a:pPr rtl="0"/>
             <a:r>
-              <a:rPr lang="pt-BR" dirty="0" smtClean="0"/>
+              <a:rPr lang="pt-BR" dirty="0"/>
               <a:t>Estado atual - </a:t>
             </a:r>
             <a:r>
-              <a:rPr lang="pt-BR" dirty="0" err="1" smtClean="0"/>
+              <a:rPr lang="pt-BR" dirty="0" err="1"/>
               <a:t>Done</a:t>
             </a:r>
             <a:endParaRPr lang="pt-BR" dirty="0"/>
@@ -8682,10 +11805,9 @@
           <a:p>
             <a:pPr rtl="0"/>
             <a:r>
-              <a:rPr lang="pt-BR" dirty="0" smtClean="0"/>
+              <a:rPr lang="pt-BR" dirty="0"/>
               <a:t>Camada alta</a:t>
             </a:r>
-            <a:endParaRPr lang="pt-BR" dirty="0"/>
           </a:p>
         </p:txBody>
       </p:sp>
@@ -8735,20 +11857,15 @@
             <a:pPr lvl="0"/>
             <a:r>
               <a:rPr lang="pt-BR" dirty="0"/>
-              <a:t>Casos de uso</a:t>
-            </a:r>
-            <a:r>
-              <a:rPr lang="pt-BR" dirty="0" smtClean="0"/>
-              <a:t>;</a:t>
+              <a:t>Casos de uso;</a:t>
             </a:r>
           </a:p>
           <a:p>
             <a:pPr lvl="0"/>
             <a:r>
-              <a:rPr lang="pt-BR" dirty="0" smtClean="0"/>
+              <a:rPr lang="pt-BR" dirty="0"/>
               <a:t>Sumário Executivo;</a:t>
             </a:r>
-            <a:endParaRPr lang="pt-BR" dirty="0"/>
           </a:p>
           <a:p>
             <a:pPr lvl="0"/>
@@ -8794,6 +11911,53 @@
           </a:p>
         </p:txBody>
       </p:sp>
+      <p:pic>
+        <p:nvPicPr>
+          <p:cNvPr id="8" name="Picture 7" descr="D:\projetos\ApontaHidrometro\Coletrometro\src\main\resources\statics\logo1.png">
+            <a:extLst>
+              <a:ext uri="{FF2B5EF4-FFF2-40B4-BE49-F238E27FC236}">
+                <a16:creationId xmlns:a16="http://schemas.microsoft.com/office/drawing/2014/main" id="{06AAE3E4-92EB-4630-AF5B-7A278477FBDC}"/>
+              </a:ext>
+            </a:extLst>
+          </p:cNvPr>
+          <p:cNvPicPr>
+            <a:picLocks noChangeAspect="1" noChangeArrowheads="1"/>
+          </p:cNvPicPr>
+          <p:nvPr/>
+        </p:nvPicPr>
+        <p:blipFill>
+          <a:blip r:embed="rId2">
+            <a:extLst>
+              <a:ext uri="{28A0092B-C50C-407E-A947-70E740481C1C}">
+                <a14:useLocalDpi xmlns:a14="http://schemas.microsoft.com/office/drawing/2010/main" val="0"/>
+              </a:ext>
+            </a:extLst>
+          </a:blip>
+          <a:srcRect/>
+          <a:stretch>
+            <a:fillRect/>
+          </a:stretch>
+        </p:blipFill>
+        <p:spPr bwMode="auto">
+          <a:xfrm>
+            <a:off x="10126860" y="4797152"/>
+            <a:ext cx="2060848" cy="2060848"/>
+          </a:xfrm>
+          <a:prstGeom prst="rect">
+            <a:avLst/>
+          </a:prstGeom>
+          <a:noFill/>
+          <a:extLst>
+            <a:ext uri="{909E8E84-426E-40DD-AFC4-6F175D3DCCD1}">
+              <a14:hiddenFill xmlns:a14="http://schemas.microsoft.com/office/drawing/2010/main">
+                <a:solidFill>
+                  <a:srgbClr val="FFFFFF"/>
+                </a:solidFill>
+              </a14:hiddenFill>
+            </a:ext>
+          </a:extLst>
+        </p:spPr>
+      </p:pic>
     </p:spTree>
     <p:extLst>
       <p:ext uri="{BB962C8B-B14F-4D97-AF65-F5344CB8AC3E}">
@@ -9181,11 +12345,11 @@
           <a:p>
             <a:pPr rtl="0"/>
             <a:r>
-              <a:rPr lang="pt-BR" dirty="0" smtClean="0"/>
+              <a:rPr lang="pt-BR" dirty="0"/>
               <a:t>Estado atual - </a:t>
             </a:r>
             <a:r>
-              <a:rPr lang="pt-BR" dirty="0" err="1" smtClean="0"/>
+              <a:rPr lang="pt-BR" dirty="0" err="1"/>
               <a:t>Done</a:t>
             </a:r>
             <a:endParaRPr lang="pt-BR" dirty="0"/>
@@ -9209,10 +12373,9 @@
           <a:p>
             <a:pPr rtl="0"/>
             <a:r>
-              <a:rPr lang="pt-BR" dirty="0" smtClean="0"/>
+              <a:rPr lang="pt-BR" dirty="0"/>
               <a:t>Camada baixa</a:t>
             </a:r>
-            <a:endParaRPr lang="pt-BR" dirty="0"/>
           </a:p>
         </p:txBody>
       </p:sp>
@@ -9276,10 +12439,9 @@
           <a:p>
             <a:pPr lvl="0"/>
             <a:r>
-              <a:rPr lang="pt-BR" dirty="0" smtClean="0"/>
+              <a:rPr lang="pt-BR" dirty="0"/>
               <a:t>Modelo CRUD funcional.</a:t>
             </a:r>
-            <a:endParaRPr lang="pt-BR" dirty="0"/>
           </a:p>
           <a:p>
             <a:pPr lvl="0"/>
@@ -9422,6 +12584,53 @@
           </a:p>
         </p:txBody>
       </p:sp>
+      <p:pic>
+        <p:nvPicPr>
+          <p:cNvPr id="8" name="Picture 7" descr="D:\projetos\ApontaHidrometro\Coletrometro\src\main\resources\statics\logo1.png">
+            <a:extLst>
+              <a:ext uri="{FF2B5EF4-FFF2-40B4-BE49-F238E27FC236}">
+                <a16:creationId xmlns:a16="http://schemas.microsoft.com/office/drawing/2014/main" id="{FAB6CB29-0285-479B-A4F5-15506EB023ED}"/>
+              </a:ext>
+            </a:extLst>
+          </p:cNvPr>
+          <p:cNvPicPr>
+            <a:picLocks noChangeAspect="1" noChangeArrowheads="1"/>
+          </p:cNvPicPr>
+          <p:nvPr/>
+        </p:nvPicPr>
+        <p:blipFill>
+          <a:blip r:embed="rId2">
+            <a:extLst>
+              <a:ext uri="{28A0092B-C50C-407E-A947-70E740481C1C}">
+                <a14:useLocalDpi xmlns:a14="http://schemas.microsoft.com/office/drawing/2010/main" val="0"/>
+              </a:ext>
+            </a:extLst>
+          </a:blip>
+          <a:srcRect/>
+          <a:stretch>
+            <a:fillRect/>
+          </a:stretch>
+        </p:blipFill>
+        <p:spPr bwMode="auto">
+          <a:xfrm>
+            <a:off x="10126860" y="4797152"/>
+            <a:ext cx="2060848" cy="2060848"/>
+          </a:xfrm>
+          <a:prstGeom prst="rect">
+            <a:avLst/>
+          </a:prstGeom>
+          <a:noFill/>
+          <a:extLst>
+            <a:ext uri="{909E8E84-426E-40DD-AFC4-6F175D3DCCD1}">
+              <a14:hiddenFill xmlns:a14="http://schemas.microsoft.com/office/drawing/2010/main">
+                <a:solidFill>
+                  <a:srgbClr val="FFFFFF"/>
+                </a:solidFill>
+              </a14:hiddenFill>
+            </a:ext>
+          </a:extLst>
+        </p:spPr>
+      </p:pic>
     </p:spTree>
     <p:extLst>
       <p:ext uri="{BB962C8B-B14F-4D97-AF65-F5344CB8AC3E}">
@@ -10153,18 +13362,17 @@
           <a:p>
             <a:pPr rtl="0"/>
             <a:r>
-              <a:rPr lang="pt-BR" dirty="0" smtClean="0"/>
+              <a:rPr lang="pt-BR" dirty="0"/>
               <a:t>Estado atual – </a:t>
             </a:r>
             <a:r>
-              <a:rPr lang="pt-BR" dirty="0" err="1" smtClean="0"/>
+              <a:rPr lang="pt-BR" dirty="0" err="1"/>
               <a:t>To</a:t>
             </a:r>
             <a:r>
-              <a:rPr lang="pt-BR" dirty="0" smtClean="0"/>
+              <a:rPr lang="pt-BR" dirty="0"/>
               <a:t> Do</a:t>
             </a:r>
-            <a:endParaRPr lang="pt-BR" dirty="0"/>
           </a:p>
         </p:txBody>
       </p:sp>
@@ -10185,10 +13393,9 @@
           <a:p>
             <a:pPr rtl="0"/>
             <a:r>
-              <a:rPr lang="pt-BR" dirty="0" smtClean="0"/>
+              <a:rPr lang="pt-BR" dirty="0"/>
               <a:t>Camada baixa</a:t>
             </a:r>
-            <a:endParaRPr lang="pt-BR" dirty="0"/>
           </a:p>
         </p:txBody>
       </p:sp>
@@ -10290,13 +13497,59 @@
           <a:lstStyle/>
           <a:p>
             <a:r>
-              <a:rPr lang="pt-BR" dirty="0" smtClean="0"/>
+              <a:rPr lang="pt-BR" dirty="0"/>
               <a:t>Documentações futuras que forem solicitadas.</a:t>
             </a:r>
-            <a:endParaRPr lang="pt-BR" dirty="0"/>
           </a:p>
         </p:txBody>
       </p:sp>
+      <p:pic>
+        <p:nvPicPr>
+          <p:cNvPr id="8" name="Picture 7" descr="D:\projetos\ApontaHidrometro\Coletrometro\src\main\resources\statics\logo1.png">
+            <a:extLst>
+              <a:ext uri="{FF2B5EF4-FFF2-40B4-BE49-F238E27FC236}">
+                <a16:creationId xmlns:a16="http://schemas.microsoft.com/office/drawing/2014/main" id="{90170B30-928C-48B1-B41D-19FC9397B1F4}"/>
+              </a:ext>
+            </a:extLst>
+          </p:cNvPr>
+          <p:cNvPicPr>
+            <a:picLocks noChangeAspect="1" noChangeArrowheads="1"/>
+          </p:cNvPicPr>
+          <p:nvPr/>
+        </p:nvPicPr>
+        <p:blipFill>
+          <a:blip r:embed="rId2">
+            <a:extLst>
+              <a:ext uri="{28A0092B-C50C-407E-A947-70E740481C1C}">
+                <a14:useLocalDpi xmlns:a14="http://schemas.microsoft.com/office/drawing/2010/main" val="0"/>
+              </a:ext>
+            </a:extLst>
+          </a:blip>
+          <a:srcRect/>
+          <a:stretch>
+            <a:fillRect/>
+          </a:stretch>
+        </p:blipFill>
+        <p:spPr bwMode="auto">
+          <a:xfrm>
+            <a:off x="10126860" y="4797152"/>
+            <a:ext cx="2060848" cy="2060848"/>
+          </a:xfrm>
+          <a:prstGeom prst="rect">
+            <a:avLst/>
+          </a:prstGeom>
+          <a:noFill/>
+          <a:extLst>
+            <a:ext uri="{909E8E84-426E-40DD-AFC4-6F175D3DCCD1}">
+              <a14:hiddenFill xmlns:a14="http://schemas.microsoft.com/office/drawing/2010/main">
+                <a:solidFill>
+                  <a:srgbClr val="FFFFFF"/>
+                </a:solidFill>
+              </a14:hiddenFill>
+            </a:ext>
+          </a:extLst>
+        </p:spPr>
+      </p:pic>
     </p:spTree>
     <p:extLst>
       <p:ext uri="{BB962C8B-B14F-4D97-AF65-F5344CB8AC3E}">
@@ -10912,7 +14165,7 @@
   <a:extraClrSchemeLst/>
   <a:extLst>
     <a:ext uri="{05A4C25C-085E-4340-85A3-A5531E510DB2}">
-      <thm15:themeFamily xmlns:thm15="http://schemas.microsoft.com/office/thememl/2012/main" xmlns="" name="TF02895261" id="{C42FDE2E-404E-4317-A1DC-9EE8DB9D7D23}" vid="{0CBDB723-F3A8-461D-91B6-BF24A4E45E7C}"/>
+      <thm15:themeFamily xmlns:thm15="http://schemas.microsoft.com/office/thememl/2012/main" name="TF02895261" id="{C42FDE2E-404E-4317-A1DC-9EE8DB9D7D23}" vid="{0CBDB723-F3A8-461D-91B6-BF24A4E45E7C}"/>
     </a:ext>
   </a:extLst>
 </a:theme>
@@ -11558,15 +14811,6 @@
 </file>
 
 <file path=customXml/item2.xml><?xml version="1.0" encoding="utf-8"?>
-<?mso-contentType ?>
-<FormTemplates xmlns="http://schemas.microsoft.com/sharepoint/v3/contenttype/forms">
-  <Display>DocumentLibraryForm</Display>
-  <Edit>AssetEditForm</Edit>
-  <New>DocumentLibraryForm</New>
-</FormTemplates>
-</file>
-
-<file path=customXml/item3.xml><?xml version="1.0" encoding="utf-8"?>
 <ct:contentTypeSchema xmlns:ct="http://schemas.microsoft.com/office/2006/metadata/contentType" xmlns:ma="http://schemas.microsoft.com/office/2006/metadata/properties/metaAttributes" ct:_="" ma:_="" ma:contentTypeName="TemplateFile" ma:contentTypeID="0x0101006EDDDB5EE6D98C44930B742096920B300400F5B6D36B3EF94B4E9A635CDF2A18F5B8" ma:contentTypeVersion="72" ma:contentTypeDescription="Create a new document." ma:contentTypeScope="" ma:versionID="a23e56308344d904b51738559c3d67c9">
   <xsd:schema xmlns:xsd="http://www.w3.org/2001/XMLSchema" xmlns:xs="http://www.w3.org/2001/XMLSchema" xmlns:p="http://schemas.microsoft.com/office/2006/metadata/properties" xmlns:ns2="4873beb7-5857-4685-be1f-d57550cc96cc" targetNamespace="http://schemas.microsoft.com/office/2006/metadata/properties" ma:root="true" ma:fieldsID="cd0908cc4600e77bf5da051303e00c8d" ns2:_="">
     <xsd:import namespace="4873beb7-5857-4685-be1f-d57550cc96cc"/>
@@ -12606,6 +15850,15 @@
 </ct:contentTypeSchema>
 </file>
 
+<file path=customXml/item3.xml><?xml version="1.0" encoding="utf-8"?>
+<?mso-contentType ?>
+<FormTemplates xmlns="http://schemas.microsoft.com/sharepoint/v3/contenttype/forms">
+  <Display>DocumentLibraryForm</Display>
+  <Edit>AssetEditForm</Edit>
+  <New>DocumentLibraryForm</New>
+</FormTemplates>
+</file>
+
 <file path=customXml/itemProps1.xml><?xml version="1.0" encoding="utf-8"?>
 <ds:datastoreItem xmlns:ds="http://schemas.openxmlformats.org/officeDocument/2006/customXml" ds:itemID="{00E41224-0370-4595-877C-23316CD80004}">
   <ds:schemaRefs>
@@ -12623,14 +15876,6 @@
 </file>
 
 <file path=customXml/itemProps2.xml><?xml version="1.0" encoding="utf-8"?>
-<ds:datastoreItem xmlns:ds="http://schemas.openxmlformats.org/officeDocument/2006/customXml" ds:itemID="{74228E6B-D70C-44BB-A81F-A245495F612B}">
-  <ds:schemaRefs>
-    <ds:schemaRef ds:uri="http://schemas.microsoft.com/sharepoint/v3/contenttype/forms"/>
-  </ds:schemaRefs>
-</ds:datastoreItem>
-</file>
-
-<file path=customXml/itemProps3.xml><?xml version="1.0" encoding="utf-8"?>
 <ds:datastoreItem xmlns:ds="http://schemas.openxmlformats.org/officeDocument/2006/customXml" ds:itemID="{22CCB507-0646-4A50-A4F7-7F385079D589}">
   <ds:schemaRefs>
     <ds:schemaRef ds:uri="http://schemas.microsoft.com/office/2006/metadata/contentType"/>
@@ -12646,4 +15891,12 @@
     <ds:schemaRef ds:uri="http://schemas.microsoft.com/internal/obd"/>
   </ds:schemaRefs>
 </ds:datastoreItem>
+</file>
+
+<file path=customXml/itemProps3.xml><?xml version="1.0" encoding="utf-8"?>
+<ds:datastoreItem xmlns:ds="http://schemas.openxmlformats.org/officeDocument/2006/customXml" ds:itemID="{74228E6B-D70C-44BB-A81F-A245495F612B}">
+  <ds:schemaRefs>
+    <ds:schemaRef ds:uri="http://schemas.microsoft.com/sharepoint/v3/contenttype/forms"/>
+  </ds:schemaRefs>
+</ds:datastoreItem>
 </file>